--- a/translations/en-us/intermediate/DataWires.pptx
+++ b/translations/en-us/intermediate/DataWires.pptx
@@ -2,7 +2,7 @@
 <file path=ppt/presentation.xml><?xml version="1.0" encoding="utf-8"?>
 <p:presentation xmlns:a="http://schemas.openxmlformats.org/drawingml/2006/main" xmlns:r="http://schemas.openxmlformats.org/officeDocument/2006/relationships" xmlns:p="http://schemas.openxmlformats.org/presentationml/2006/main" showSpecialPlsOnTitleSld="0" saveSubsetFonts="1">
   <p:sldMasterIdLst>
-    <p:sldMasterId id="2147483835" r:id="rId1"/>
+    <p:sldMasterId id="2147483847" r:id="rId1"/>
   </p:sldMasterIdLst>
   <p:notesMasterIdLst>
     <p:notesMasterId r:id="rId14"/>
@@ -30,7 +30,7 @@
     <a:defPPr>
       <a:defRPr lang="en-US"/>
     </a:defPPr>
-    <a:lvl1pPr marL="0" algn="l" defTabSz="914400" rtl="0" eaLnBrk="1" latinLnBrk="0" hangingPunct="1">
+    <a:lvl1pPr marL="0" algn="l" defTabSz="457200" rtl="0" eaLnBrk="1" latinLnBrk="0" hangingPunct="1">
       <a:defRPr sz="1800" kern="1200">
         <a:solidFill>
           <a:schemeClr val="tx1"/>
@@ -40,7 +40,7 @@
         <a:cs typeface="+mn-cs"/>
       </a:defRPr>
     </a:lvl1pPr>
-    <a:lvl2pPr marL="457200" algn="l" defTabSz="914400" rtl="0" eaLnBrk="1" latinLnBrk="0" hangingPunct="1">
+    <a:lvl2pPr marL="457200" algn="l" defTabSz="457200" rtl="0" eaLnBrk="1" latinLnBrk="0" hangingPunct="1">
       <a:defRPr sz="1800" kern="1200">
         <a:solidFill>
           <a:schemeClr val="tx1"/>
@@ -50,7 +50,7 @@
         <a:cs typeface="+mn-cs"/>
       </a:defRPr>
     </a:lvl2pPr>
-    <a:lvl3pPr marL="914400" algn="l" defTabSz="914400" rtl="0" eaLnBrk="1" latinLnBrk="0" hangingPunct="1">
+    <a:lvl3pPr marL="914400" algn="l" defTabSz="457200" rtl="0" eaLnBrk="1" latinLnBrk="0" hangingPunct="1">
       <a:defRPr sz="1800" kern="1200">
         <a:solidFill>
           <a:schemeClr val="tx1"/>
@@ -60,7 +60,7 @@
         <a:cs typeface="+mn-cs"/>
       </a:defRPr>
     </a:lvl3pPr>
-    <a:lvl4pPr marL="1371600" algn="l" defTabSz="914400" rtl="0" eaLnBrk="1" latinLnBrk="0" hangingPunct="1">
+    <a:lvl4pPr marL="1371600" algn="l" defTabSz="457200" rtl="0" eaLnBrk="1" latinLnBrk="0" hangingPunct="1">
       <a:defRPr sz="1800" kern="1200">
         <a:solidFill>
           <a:schemeClr val="tx1"/>
@@ -70,7 +70,7 @@
         <a:cs typeface="+mn-cs"/>
       </a:defRPr>
     </a:lvl4pPr>
-    <a:lvl5pPr marL="1828800" algn="l" defTabSz="914400" rtl="0" eaLnBrk="1" latinLnBrk="0" hangingPunct="1">
+    <a:lvl5pPr marL="1828800" algn="l" defTabSz="457200" rtl="0" eaLnBrk="1" latinLnBrk="0" hangingPunct="1">
       <a:defRPr sz="1800" kern="1200">
         <a:solidFill>
           <a:schemeClr val="tx1"/>
@@ -80,7 +80,7 @@
         <a:cs typeface="+mn-cs"/>
       </a:defRPr>
     </a:lvl5pPr>
-    <a:lvl6pPr marL="2286000" algn="l" defTabSz="914400" rtl="0" eaLnBrk="1" latinLnBrk="0" hangingPunct="1">
+    <a:lvl6pPr marL="2286000" algn="l" defTabSz="457200" rtl="0" eaLnBrk="1" latinLnBrk="0" hangingPunct="1">
       <a:defRPr sz="1800" kern="1200">
         <a:solidFill>
           <a:schemeClr val="tx1"/>
@@ -90,7 +90,7 @@
         <a:cs typeface="+mn-cs"/>
       </a:defRPr>
     </a:lvl6pPr>
-    <a:lvl7pPr marL="2743200" algn="l" defTabSz="914400" rtl="0" eaLnBrk="1" latinLnBrk="0" hangingPunct="1">
+    <a:lvl7pPr marL="2743200" algn="l" defTabSz="457200" rtl="0" eaLnBrk="1" latinLnBrk="0" hangingPunct="1">
       <a:defRPr sz="1800" kern="1200">
         <a:solidFill>
           <a:schemeClr val="tx1"/>
@@ -100,7 +100,7 @@
         <a:cs typeface="+mn-cs"/>
       </a:defRPr>
     </a:lvl7pPr>
-    <a:lvl8pPr marL="3200400" algn="l" defTabSz="914400" rtl="0" eaLnBrk="1" latinLnBrk="0" hangingPunct="1">
+    <a:lvl8pPr marL="3200400" algn="l" defTabSz="457200" rtl="0" eaLnBrk="1" latinLnBrk="0" hangingPunct="1">
       <a:defRPr sz="1800" kern="1200">
         <a:solidFill>
           <a:schemeClr val="tx1"/>
@@ -110,7 +110,7 @@
         <a:cs typeface="+mn-cs"/>
       </a:defRPr>
     </a:lvl8pPr>
-    <a:lvl9pPr marL="3657600" algn="l" defTabSz="914400" rtl="0" eaLnBrk="1" latinLnBrk="0" hangingPunct="1">
+    <a:lvl9pPr marL="3657600" algn="l" defTabSz="457200" rtl="0" eaLnBrk="1" latinLnBrk="0" hangingPunct="1">
       <a:defRPr sz="1800" kern="1200">
         <a:solidFill>
           <a:schemeClr val="tx1"/>
@@ -222,7 +222,7 @@
           <a:p>
             <a:fld id="{E354B44E-40A3-0E46-B16A-9BF1250A248B}" type="datetimeFigureOut">
               <a:rPr lang="en-US" smtClean="0"/>
-              <a:t>11/13/15</a:t>
+              <a:t>7/6/2016</a:t>
             </a:fld>
             <a:endParaRPr lang="en-US"/>
           </a:p>
@@ -388,7 +388,7 @@
           <a:p>
             <a:fld id="{C86AD16C-2DB4-6642-BAD4-9ED973A087A0}" type="datetimeFigureOut">
               <a:rPr lang="en-US" smtClean="0"/>
-              <a:t>11/13/15</a:t>
+              <a:t>7/6/2016</a:t>
             </a:fld>
             <a:endParaRPr lang="en-US"/>
           </a:p>
@@ -452,38 +452,37 @@
           <a:p>
             <a:pPr lvl="0"/>
             <a:r>
-              <a:rPr lang="en-US" smtClean="0"/>
+              <a:rPr lang="en-US"/>
               <a:t>Click to edit Master text styles</a:t>
             </a:r>
           </a:p>
           <a:p>
             <a:pPr lvl="1"/>
             <a:r>
-              <a:rPr lang="en-US" smtClean="0"/>
+              <a:rPr lang="en-US"/>
               <a:t>Second level</a:t>
             </a:r>
           </a:p>
           <a:p>
             <a:pPr lvl="2"/>
             <a:r>
-              <a:rPr lang="en-US" smtClean="0"/>
+              <a:rPr lang="en-US"/>
               <a:t>Third level</a:t>
             </a:r>
           </a:p>
           <a:p>
             <a:pPr lvl="3"/>
             <a:r>
-              <a:rPr lang="en-US" smtClean="0"/>
+              <a:rPr lang="en-US"/>
               <a:t>Fourth level</a:t>
             </a:r>
           </a:p>
           <a:p>
             <a:pPr lvl="4"/>
             <a:r>
-              <a:rPr lang="en-US" smtClean="0"/>
+              <a:rPr lang="en-US"/>
               <a:t>Fifth level</a:t>
             </a:r>
-            <a:endParaRPr lang="en-US"/>
           </a:p>
         </p:txBody>
       </p:sp>
@@ -808,15 +807,15 @@
         </p:nvSpPr>
         <p:spPr>
           <a:xfrm>
-            <a:off x="373553" y="471740"/>
-            <a:ext cx="4857665" cy="2001435"/>
+            <a:off x="196279" y="154094"/>
+            <a:ext cx="3853207" cy="1870649"/>
           </a:xfrm>
           <a:ln>
             <a:noFill/>
           </a:ln>
         </p:spPr>
         <p:txBody>
-          <a:bodyPr anchor="b">
+          <a:bodyPr anchor="ctr">
             <a:normAutofit/>
           </a:bodyPr>
           <a:lstStyle>
@@ -824,7 +823,7 @@
               <a:lnSpc>
                 <a:spcPct val="85000"/>
               </a:lnSpc>
-              <a:defRPr sz="5400" spc="-50" baseline="0">
+              <a:defRPr sz="4000" spc="-50" baseline="0">
                 <a:solidFill>
                   <a:schemeClr val="tx1">
                     <a:lumMod val="85000"/>
@@ -836,10 +835,9 @@
           </a:lstStyle>
           <a:p>
             <a:r>
-              <a:rPr lang="en-US" dirty="0" smtClean="0"/>
+              <a:rPr lang="en-US" dirty="0"/>
               <a:t>INTERMEDIATE PROGRAMMING LESSON</a:t>
             </a:r>
-            <a:endParaRPr lang="en-US" dirty="0"/>
           </a:p>
         </p:txBody>
       </p:sp>
@@ -908,7 +906,7 @@
           </a:lstStyle>
           <a:p>
             <a:r>
-              <a:rPr lang="en-US" dirty="0" smtClean="0"/>
+              <a:rPr lang="en-US"/>
               <a:t>Click to edit Master subtitle style</a:t>
             </a:r>
             <a:endParaRPr lang="en-US" dirty="0"/>
@@ -930,9 +928,9 @@
           <a:bodyPr/>
           <a:lstStyle/>
           <a:p>
-            <a:fld id="{6B13CFBD-0392-DF42-9C65-6D1DE0580181}" type="datetime1">
+            <a:fld id="{A3DE7EAD-7273-4299-8617-D779C1AF605D}" type="datetime1">
               <a:rPr lang="en-US" smtClean="0"/>
-              <a:t>11/13/15</a:t>
+              <a:t>7/6/2016</a:t>
             </a:fld>
             <a:endParaRPr lang="en-US"/>
           </a:p>
@@ -954,10 +952,9 @@
           <a:lstStyle/>
           <a:p>
             <a:r>
-              <a:rPr lang="sk-SK" smtClean="0"/>
-              <a:t>© 2015 EV3Lessons.com, Last edit 11/13/2015</a:t>
-            </a:r>
-            <a:endParaRPr lang="en-US"/>
+              <a:rPr lang="en-US"/>
+              <a:t>Copytight © 2015 EV3Lessons.com, Last edit 7/06/2016</a:t>
+            </a:r>
           </a:p>
         </p:txBody>
       </p:sp>
@@ -1026,7 +1023,7 @@
         <p:nvSpPr>
           <p:cNvPr id="10" name="Rectangle 9"/>
           <p:cNvSpPr/>
-          <p:nvPr userDrawn="1"/>
+          <p:nvPr/>
         </p:nvSpPr>
         <p:spPr>
           <a:xfrm>
@@ -1064,7 +1061,7 @@
         <p:nvSpPr>
           <p:cNvPr id="11" name="Rectangle 10"/>
           <p:cNvSpPr/>
-          <p:nvPr userDrawn="1"/>
+          <p:nvPr/>
         </p:nvSpPr>
         <p:spPr>
           <a:xfrm>
@@ -1100,14 +1097,14 @@
       </p:sp>
       <p:sp>
         <p:nvSpPr>
-          <p:cNvPr id="13" name="TextBox 12"/>
+          <p:cNvPr id="8" name="TextBox 7"/>
           <p:cNvSpPr txBox="1"/>
-          <p:nvPr userDrawn="1"/>
-        </p:nvSpPr>
-        <p:spPr>
-          <a:xfrm>
-            <a:off x="1481621" y="5931894"/>
-            <a:ext cx="2391085" cy="369332"/>
+          <p:nvPr/>
+        </p:nvSpPr>
+        <p:spPr>
+          <a:xfrm>
+            <a:off x="2363695" y="3959525"/>
+            <a:ext cx="4373593" cy="369332"/>
           </a:xfrm>
           <a:prstGeom prst="rect">
             <a:avLst/>
@@ -1120,58 +1117,35 @@
           </a:bodyPr>
           <a:lstStyle/>
           <a:p>
-            <a:r>
-              <a:rPr lang="en-US" dirty="0" smtClean="0"/>
-              <a:t>By </a:t>
-            </a:r>
-            <a:r>
-              <a:rPr lang="en-US" smtClean="0"/>
-              <a:t>Droids Robotics</a:t>
-            </a:r>
-            <a:endParaRPr lang="en-US"/>
+            <a:pPr algn="ctr"/>
+            <a:r>
+              <a:rPr lang="en-US" dirty="0">
+                <a:latin typeface="+mj-lt"/>
+              </a:rPr>
+              <a:t>By</a:t>
+            </a:r>
+            <a:r>
+              <a:rPr lang="en-US" baseline="0" dirty="0">
+                <a:latin typeface="+mj-lt"/>
+              </a:rPr>
+              <a:t> Sanjay and Arvind Seshan</a:t>
+            </a:r>
+            <a:endParaRPr lang="en-US" dirty="0">
+              <a:latin typeface="+mj-lt"/>
+            </a:endParaRPr>
           </a:p>
         </p:txBody>
       </p:sp>
       <p:pic>
         <p:nvPicPr>
-          <p:cNvPr id="14" name="Picture 13"/>
-          <p:cNvPicPr>
-            <a:picLocks noChangeAspect="1"/>
-          </p:cNvPicPr>
-          <p:nvPr userDrawn="1"/>
-        </p:nvPicPr>
-        <p:blipFill>
-          <a:blip r:embed="rId2">
-            <a:extLst>
-              <a:ext uri="{28A0092B-C50C-407E-A947-70E740481C1C}">
-                <a14:useLocalDpi xmlns:a14="http://schemas.microsoft.com/office/drawing/2010/main" val="0"/>
-              </a:ext>
-            </a:extLst>
-          </a:blip>
-          <a:stretch>
-            <a:fillRect/>
-          </a:stretch>
-        </p:blipFill>
-        <p:spPr>
-          <a:xfrm>
-            <a:off x="164036" y="4938756"/>
-            <a:ext cx="1317585" cy="1260490"/>
-          </a:xfrm>
-          <a:prstGeom prst="rect">
-            <a:avLst/>
-          </a:prstGeom>
-        </p:spPr>
-      </p:pic>
-      <p:pic>
-        <p:nvPicPr>
-          <p:cNvPr id="15" name="Picture 14" descr="EV3Lessons.com"/>
+          <p:cNvPr id="1026" name="Picture 2" descr="EV3Lessons.com"/>
           <p:cNvPicPr>
             <a:picLocks noChangeAspect="1" noChangeArrowheads="1"/>
           </p:cNvPicPr>
-          <p:nvPr userDrawn="1"/>
+          <p:nvPr/>
         </p:nvPicPr>
         <p:blipFill>
-          <a:blip r:embed="rId3" cstate="email">
+          <a:blip r:embed="rId2" cstate="email">
             <a:extLst>
               <a:ext uri="{28A0092B-C50C-407E-A947-70E740481C1C}">
                 <a14:useLocalDpi xmlns:a14="http://schemas.microsoft.com/office/drawing/2010/main" val="0"/>
@@ -1185,16 +1159,16 @@
         </p:blipFill>
         <p:spPr bwMode="auto">
           <a:xfrm>
-            <a:off x="5422605" y="409394"/>
-            <a:ext cx="3487140" cy="1295224"/>
+            <a:off x="3955687" y="139554"/>
+            <a:ext cx="5075507" cy="1885189"/>
           </a:xfrm>
           <a:prstGeom prst="rect">
             <a:avLst/>
           </a:prstGeom>
           <a:noFill/>
           <a:extLst>
-            <a:ext uri="{909E8E84-426E-40dd-AFC4-6F175D3DCCD1}">
-              <a14:hiddenFill xmlns="" xmlns:a14="http://schemas.microsoft.com/office/drawing/2010/main">
+            <a:ext uri="{909E8E84-426E-40DD-AFC4-6F175D3DCCD1}">
+              <a14:hiddenFill xmlns:a14="http://schemas.microsoft.com/office/drawing/2010/main">
                 <a:solidFill>
                   <a:srgbClr val="FFFFFF"/>
                 </a:solidFill>
@@ -1203,10 +1177,86 @@
           </a:extLst>
         </p:spPr>
       </p:pic>
+      <p:sp>
+        <p:nvSpPr>
+          <p:cNvPr id="13" name="Rectangle 12"/>
+          <p:cNvSpPr/>
+          <p:nvPr userDrawn="1"/>
+        </p:nvSpPr>
+        <p:spPr>
+          <a:xfrm>
+            <a:off x="0" y="6334315"/>
+            <a:ext cx="4487333" cy="92382"/>
+          </a:xfrm>
+          <a:prstGeom prst="rect">
+            <a:avLst/>
+          </a:prstGeom>
+          <a:solidFill>
+            <a:srgbClr val="00B050"/>
+          </a:solidFill>
+          <a:ln>
+            <a:noFill/>
+          </a:ln>
+        </p:spPr>
+        <p:style>
+          <a:lnRef idx="2">
+            <a:schemeClr val="accent1">
+              <a:shade val="50000"/>
+            </a:schemeClr>
+          </a:lnRef>
+          <a:fillRef idx="1">
+            <a:schemeClr val="accent1"/>
+          </a:fillRef>
+          <a:effectRef idx="0">
+            <a:schemeClr val="accent1"/>
+          </a:effectRef>
+          <a:fontRef idx="minor">
+            <a:schemeClr val="lt1"/>
+          </a:fontRef>
+        </p:style>
+      </p:sp>
+      <p:sp>
+        <p:nvSpPr>
+          <p:cNvPr id="14" name="Rectangle 13"/>
+          <p:cNvSpPr/>
+          <p:nvPr userDrawn="1"/>
+        </p:nvSpPr>
+        <p:spPr>
+          <a:xfrm>
+            <a:off x="4487333" y="6334315"/>
+            <a:ext cx="4656667" cy="92382"/>
+          </a:xfrm>
+          <a:prstGeom prst="rect">
+            <a:avLst/>
+          </a:prstGeom>
+          <a:solidFill>
+            <a:srgbClr val="7030A0"/>
+          </a:solidFill>
+          <a:ln>
+            <a:noFill/>
+          </a:ln>
+        </p:spPr>
+        <p:style>
+          <a:lnRef idx="2">
+            <a:schemeClr val="accent1">
+              <a:shade val="50000"/>
+            </a:schemeClr>
+          </a:lnRef>
+          <a:fillRef idx="1">
+            <a:schemeClr val="accent1"/>
+          </a:fillRef>
+          <a:effectRef idx="0">
+            <a:schemeClr val="accent1"/>
+          </a:effectRef>
+          <a:fontRef idx="minor">
+            <a:schemeClr val="lt1"/>
+          </a:fontRef>
+        </p:style>
+      </p:sp>
     </p:spTree>
     <p:extLst>
       <p:ext uri="{BB962C8B-B14F-4D97-AF65-F5344CB8AC3E}">
-        <p14:creationId xmlns:p14="http://schemas.microsoft.com/office/powerpoint/2010/main" val="1056708516"/>
+        <p14:creationId xmlns:p14="http://schemas.microsoft.com/office/powerpoint/2010/main" val="3828666653"/>
       </p:ext>
     </p:extLst>
   </p:cSld>
@@ -1249,83 +1299,83 @@
           <a:lstStyle/>
           <a:p>
             <a:r>
+              <a:rPr lang="en-US"/>
+              <a:t>Click to edit Master title style</a:t>
+            </a:r>
+            <a:endParaRPr lang="en-US" dirty="0"/>
+          </a:p>
+        </p:txBody>
+      </p:sp>
+      <p:sp>
+        <p:nvSpPr>
+          <p:cNvPr id="3" name="Vertical Text Placeholder 2"/>
+          <p:cNvSpPr>
+            <a:spLocks noGrp="1"/>
+          </p:cNvSpPr>
+          <p:nvPr>
+            <p:ph type="body" orient="vert" idx="1"/>
+          </p:nvPr>
+        </p:nvSpPr>
+        <p:spPr/>
+        <p:txBody>
+          <a:bodyPr vert="eaVert" lIns="45720" tIns="0" rIns="45720" bIns="0"/>
+          <a:lstStyle/>
+          <a:p>
+            <a:pPr lvl="0"/>
+            <a:r>
+              <a:rPr lang="en-US"/>
+              <a:t>Edit Master text styles</a:t>
+            </a:r>
+          </a:p>
+          <a:p>
+            <a:pPr lvl="1"/>
+            <a:r>
+              <a:rPr lang="en-US"/>
+              <a:t>Second level</a:t>
+            </a:r>
+          </a:p>
+          <a:p>
+            <a:pPr lvl="2"/>
+            <a:r>
+              <a:rPr lang="en-US"/>
+              <a:t>Third level</a:t>
+            </a:r>
+          </a:p>
+          <a:p>
+            <a:pPr lvl="3"/>
+            <a:r>
+              <a:rPr lang="en-US"/>
+              <a:t>Fourth level</a:t>
+            </a:r>
+          </a:p>
+          <a:p>
+            <a:pPr lvl="4"/>
+            <a:r>
+              <a:rPr lang="en-US"/>
+              <a:t>Fifth level</a:t>
+            </a:r>
+            <a:endParaRPr lang="en-US" dirty="0"/>
+          </a:p>
+        </p:txBody>
+      </p:sp>
+      <p:sp>
+        <p:nvSpPr>
+          <p:cNvPr id="4" name="Date Placeholder 3"/>
+          <p:cNvSpPr>
+            <a:spLocks noGrp="1"/>
+          </p:cNvSpPr>
+          <p:nvPr>
+            <p:ph type="dt" sz="half" idx="10"/>
+          </p:nvPr>
+        </p:nvSpPr>
+        <p:spPr/>
+        <p:txBody>
+          <a:bodyPr/>
+          <a:lstStyle/>
+          <a:p>
+            <a:fld id="{02443E30-CF98-40AB-85FC-7D6F46FB2295}" type="datetime1">
               <a:rPr lang="en-US" smtClean="0"/>
-              <a:t>Click to edit Master title style</a:t>
-            </a:r>
-            <a:endParaRPr lang="en-US" dirty="0"/>
-          </a:p>
-        </p:txBody>
-      </p:sp>
-      <p:sp>
-        <p:nvSpPr>
-          <p:cNvPr id="3" name="Vertical Text Placeholder 2"/>
-          <p:cNvSpPr>
-            <a:spLocks noGrp="1"/>
-          </p:cNvSpPr>
-          <p:nvPr>
-            <p:ph type="body" orient="vert" idx="1"/>
-          </p:nvPr>
-        </p:nvSpPr>
-        <p:spPr/>
-        <p:txBody>
-          <a:bodyPr vert="eaVert" lIns="45720" tIns="0" rIns="45720" bIns="0"/>
-          <a:lstStyle/>
-          <a:p>
-            <a:pPr lvl="0"/>
-            <a:r>
-              <a:rPr lang="en-US" smtClean="0"/>
-              <a:t>Click to edit Master text styles</a:t>
-            </a:r>
-          </a:p>
-          <a:p>
-            <a:pPr lvl="1"/>
-            <a:r>
-              <a:rPr lang="en-US" smtClean="0"/>
-              <a:t>Second level</a:t>
-            </a:r>
-          </a:p>
-          <a:p>
-            <a:pPr lvl="2"/>
-            <a:r>
-              <a:rPr lang="en-US" smtClean="0"/>
-              <a:t>Third level</a:t>
-            </a:r>
-          </a:p>
-          <a:p>
-            <a:pPr lvl="3"/>
-            <a:r>
-              <a:rPr lang="en-US" smtClean="0"/>
-              <a:t>Fourth level</a:t>
-            </a:r>
-          </a:p>
-          <a:p>
-            <a:pPr lvl="4"/>
-            <a:r>
-              <a:rPr lang="en-US" smtClean="0"/>
-              <a:t>Fifth level</a:t>
-            </a:r>
-            <a:endParaRPr lang="en-US" dirty="0"/>
-          </a:p>
-        </p:txBody>
-      </p:sp>
-      <p:sp>
-        <p:nvSpPr>
-          <p:cNvPr id="4" name="Date Placeholder 3"/>
-          <p:cNvSpPr>
-            <a:spLocks noGrp="1"/>
-          </p:cNvSpPr>
-          <p:nvPr>
-            <p:ph type="dt" sz="half" idx="10"/>
-          </p:nvPr>
-        </p:nvSpPr>
-        <p:spPr/>
-        <p:txBody>
-          <a:bodyPr/>
-          <a:lstStyle/>
-          <a:p>
-            <a:fld id="{BF0F175E-9EAC-E14B-B7AC-8C8F25EC1DAA}" type="datetime1">
-              <a:rPr lang="en-US" smtClean="0"/>
-              <a:t>11/13/15</a:t>
+              <a:t>7/6/2016</a:t>
             </a:fld>
             <a:endParaRPr lang="en-US"/>
           </a:p>
@@ -1347,10 +1397,9 @@
           <a:lstStyle/>
           <a:p>
             <a:r>
-              <a:rPr lang="sk-SK" smtClean="0"/>
-              <a:t>© 2015 EV3Lessons.com, Last edit 11/13/2015</a:t>
-            </a:r>
-            <a:endParaRPr lang="en-US"/>
+              <a:rPr lang="en-US"/>
+              <a:t>Copytight © 2015 EV3Lessons.com, Last edit 7/06/2016</a:t>
+            </a:r>
           </a:p>
         </p:txBody>
       </p:sp>
@@ -1380,7 +1429,7 @@
     </p:spTree>
     <p:extLst>
       <p:ext uri="{BB962C8B-B14F-4D97-AF65-F5344CB8AC3E}">
-        <p14:creationId xmlns:p14="http://schemas.microsoft.com/office/powerpoint/2010/main" val="2009486756"/>
+        <p14:creationId xmlns:p14="http://schemas.microsoft.com/office/powerpoint/2010/main" val="4044562378"/>
       </p:ext>
     </p:extLst>
   </p:cSld>
@@ -1504,7 +1553,7 @@
           <a:lstStyle/>
           <a:p>
             <a:r>
-              <a:rPr lang="en-US" smtClean="0"/>
+              <a:rPr lang="en-US"/>
               <a:t>Click to edit Master title style</a:t>
             </a:r>
             <a:endParaRPr lang="en-US" dirty="0"/>
@@ -1533,59 +1582,59 @@
           <a:p>
             <a:pPr lvl="0"/>
             <a:r>
+              <a:rPr lang="en-US"/>
+              <a:t>Edit Master text styles</a:t>
+            </a:r>
+          </a:p>
+          <a:p>
+            <a:pPr lvl="1"/>
+            <a:r>
+              <a:rPr lang="en-US"/>
+              <a:t>Second level</a:t>
+            </a:r>
+          </a:p>
+          <a:p>
+            <a:pPr lvl="2"/>
+            <a:r>
+              <a:rPr lang="en-US"/>
+              <a:t>Third level</a:t>
+            </a:r>
+          </a:p>
+          <a:p>
+            <a:pPr lvl="3"/>
+            <a:r>
+              <a:rPr lang="en-US"/>
+              <a:t>Fourth level</a:t>
+            </a:r>
+          </a:p>
+          <a:p>
+            <a:pPr lvl="4"/>
+            <a:r>
+              <a:rPr lang="en-US"/>
+              <a:t>Fifth level</a:t>
+            </a:r>
+            <a:endParaRPr lang="en-US" dirty="0"/>
+          </a:p>
+        </p:txBody>
+      </p:sp>
+      <p:sp>
+        <p:nvSpPr>
+          <p:cNvPr id="4" name="Date Placeholder 3"/>
+          <p:cNvSpPr>
+            <a:spLocks noGrp="1"/>
+          </p:cNvSpPr>
+          <p:nvPr>
+            <p:ph type="dt" sz="half" idx="10"/>
+          </p:nvPr>
+        </p:nvSpPr>
+        <p:spPr/>
+        <p:txBody>
+          <a:bodyPr/>
+          <a:lstStyle/>
+          <a:p>
+            <a:fld id="{97E39118-C02E-478F-9D5D-73E5D065F218}" type="datetime1">
               <a:rPr lang="en-US" smtClean="0"/>
-              <a:t>Click to edit Master text styles</a:t>
-            </a:r>
-          </a:p>
-          <a:p>
-            <a:pPr lvl="1"/>
-            <a:r>
-              <a:rPr lang="en-US" smtClean="0"/>
-              <a:t>Second level</a:t>
-            </a:r>
-          </a:p>
-          <a:p>
-            <a:pPr lvl="2"/>
-            <a:r>
-              <a:rPr lang="en-US" smtClean="0"/>
-              <a:t>Third level</a:t>
-            </a:r>
-          </a:p>
-          <a:p>
-            <a:pPr lvl="3"/>
-            <a:r>
-              <a:rPr lang="en-US" smtClean="0"/>
-              <a:t>Fourth level</a:t>
-            </a:r>
-          </a:p>
-          <a:p>
-            <a:pPr lvl="4"/>
-            <a:r>
-              <a:rPr lang="en-US" smtClean="0"/>
-              <a:t>Fifth level</a:t>
-            </a:r>
-            <a:endParaRPr lang="en-US" dirty="0"/>
-          </a:p>
-        </p:txBody>
-      </p:sp>
-      <p:sp>
-        <p:nvSpPr>
-          <p:cNvPr id="4" name="Date Placeholder 3"/>
-          <p:cNvSpPr>
-            <a:spLocks noGrp="1"/>
-          </p:cNvSpPr>
-          <p:nvPr>
-            <p:ph type="dt" sz="half" idx="10"/>
-          </p:nvPr>
-        </p:nvSpPr>
-        <p:spPr/>
-        <p:txBody>
-          <a:bodyPr/>
-          <a:lstStyle/>
-          <a:p>
-            <a:fld id="{ABE2FCFC-C57A-2442-884C-F5C58B3A2465}" type="datetime1">
-              <a:rPr lang="en-US" smtClean="0"/>
-              <a:t>11/13/15</a:t>
+              <a:t>7/6/2016</a:t>
             </a:fld>
             <a:endParaRPr lang="en-US"/>
           </a:p>
@@ -1607,10 +1656,9 @@
           <a:lstStyle/>
           <a:p>
             <a:r>
-              <a:rPr lang="sk-SK" smtClean="0"/>
-              <a:t>© 2015 EV3Lessons.com, Last edit 11/13/2015</a:t>
-            </a:r>
-            <a:endParaRPr lang="en-US"/>
+              <a:rPr lang="en-US"/>
+              <a:t>Copytight © 2015 EV3Lessons.com, Last edit 7/06/2016</a:t>
+            </a:r>
           </a:p>
         </p:txBody>
       </p:sp>
@@ -1640,7 +1688,7 @@
     </p:spTree>
     <p:extLst>
       <p:ext uri="{BB962C8B-B14F-4D97-AF65-F5344CB8AC3E}">
-        <p14:creationId xmlns:p14="http://schemas.microsoft.com/office/powerpoint/2010/main" val="2116075370"/>
+        <p14:creationId xmlns:p14="http://schemas.microsoft.com/office/powerpoint/2010/main" val="312744057"/>
       </p:ext>
     </p:extLst>
   </p:cSld>
@@ -1683,83 +1731,83 @@
           <a:lstStyle/>
           <a:p>
             <a:r>
+              <a:rPr lang="en-US"/>
+              <a:t>Click to edit Master title style</a:t>
+            </a:r>
+            <a:endParaRPr lang="en-US" dirty="0"/>
+          </a:p>
+        </p:txBody>
+      </p:sp>
+      <p:sp>
+        <p:nvSpPr>
+          <p:cNvPr id="3" name="Content Placeholder 2"/>
+          <p:cNvSpPr>
+            <a:spLocks noGrp="1"/>
+          </p:cNvSpPr>
+          <p:nvPr>
+            <p:ph idx="1"/>
+          </p:nvPr>
+        </p:nvSpPr>
+        <p:spPr/>
+        <p:txBody>
+          <a:bodyPr/>
+          <a:lstStyle/>
+          <a:p>
+            <a:pPr lvl="0"/>
+            <a:r>
+              <a:rPr lang="en-US"/>
+              <a:t>Edit Master text styles</a:t>
+            </a:r>
+          </a:p>
+          <a:p>
+            <a:pPr lvl="1"/>
+            <a:r>
+              <a:rPr lang="en-US"/>
+              <a:t>Second level</a:t>
+            </a:r>
+          </a:p>
+          <a:p>
+            <a:pPr lvl="2"/>
+            <a:r>
+              <a:rPr lang="en-US"/>
+              <a:t>Third level</a:t>
+            </a:r>
+          </a:p>
+          <a:p>
+            <a:pPr lvl="3"/>
+            <a:r>
+              <a:rPr lang="en-US"/>
+              <a:t>Fourth level</a:t>
+            </a:r>
+          </a:p>
+          <a:p>
+            <a:pPr lvl="4"/>
+            <a:r>
+              <a:rPr lang="en-US"/>
+              <a:t>Fifth level</a:t>
+            </a:r>
+            <a:endParaRPr lang="en-US" dirty="0"/>
+          </a:p>
+        </p:txBody>
+      </p:sp>
+      <p:sp>
+        <p:nvSpPr>
+          <p:cNvPr id="4" name="Date Placeholder 3"/>
+          <p:cNvSpPr>
+            <a:spLocks noGrp="1"/>
+          </p:cNvSpPr>
+          <p:nvPr>
+            <p:ph type="dt" sz="half" idx="10"/>
+          </p:nvPr>
+        </p:nvSpPr>
+        <p:spPr/>
+        <p:txBody>
+          <a:bodyPr/>
+          <a:lstStyle/>
+          <a:p>
+            <a:fld id="{C2D3BA03-100A-42AF-9475-9776DE381481}" type="datetime1">
               <a:rPr lang="en-US" smtClean="0"/>
-              <a:t>Click to edit Master title style</a:t>
-            </a:r>
-            <a:endParaRPr lang="en-US" dirty="0"/>
-          </a:p>
-        </p:txBody>
-      </p:sp>
-      <p:sp>
-        <p:nvSpPr>
-          <p:cNvPr id="3" name="Content Placeholder 2"/>
-          <p:cNvSpPr>
-            <a:spLocks noGrp="1"/>
-          </p:cNvSpPr>
-          <p:nvPr>
-            <p:ph idx="1"/>
-          </p:nvPr>
-        </p:nvSpPr>
-        <p:spPr/>
-        <p:txBody>
-          <a:bodyPr/>
-          <a:lstStyle/>
-          <a:p>
-            <a:pPr lvl="0"/>
-            <a:r>
-              <a:rPr lang="en-US" smtClean="0"/>
-              <a:t>Click to edit Master text styles</a:t>
-            </a:r>
-          </a:p>
-          <a:p>
-            <a:pPr lvl="1"/>
-            <a:r>
-              <a:rPr lang="en-US" smtClean="0"/>
-              <a:t>Second level</a:t>
-            </a:r>
-          </a:p>
-          <a:p>
-            <a:pPr lvl="2"/>
-            <a:r>
-              <a:rPr lang="en-US" smtClean="0"/>
-              <a:t>Third level</a:t>
-            </a:r>
-          </a:p>
-          <a:p>
-            <a:pPr lvl="3"/>
-            <a:r>
-              <a:rPr lang="en-US" smtClean="0"/>
-              <a:t>Fourth level</a:t>
-            </a:r>
-          </a:p>
-          <a:p>
-            <a:pPr lvl="4"/>
-            <a:r>
-              <a:rPr lang="en-US" smtClean="0"/>
-              <a:t>Fifth level</a:t>
-            </a:r>
-            <a:endParaRPr lang="en-US" dirty="0"/>
-          </a:p>
-        </p:txBody>
-      </p:sp>
-      <p:sp>
-        <p:nvSpPr>
-          <p:cNvPr id="4" name="Date Placeholder 3"/>
-          <p:cNvSpPr>
-            <a:spLocks noGrp="1"/>
-          </p:cNvSpPr>
-          <p:nvPr>
-            <p:ph type="dt" sz="half" idx="10"/>
-          </p:nvPr>
-        </p:nvSpPr>
-        <p:spPr/>
-        <p:txBody>
-          <a:bodyPr/>
-          <a:lstStyle/>
-          <a:p>
-            <a:fld id="{6964D4EB-A2A3-5D46-A2E3-B082D53C11C5}" type="datetime1">
-              <a:rPr lang="en-US" smtClean="0"/>
-              <a:t>11/13/15</a:t>
+              <a:t>7/6/2016</a:t>
             </a:fld>
             <a:endParaRPr lang="en-US"/>
           </a:p>
@@ -1781,10 +1829,9 @@
           <a:lstStyle/>
           <a:p>
             <a:r>
-              <a:rPr lang="sk-SK" smtClean="0"/>
-              <a:t>© 2015 EV3Lessons.com, Last edit 11/13/2015</a:t>
-            </a:r>
-            <a:endParaRPr lang="en-US"/>
+              <a:rPr lang="en-US"/>
+              <a:t>Copytight © 2015 EV3Lessons.com, Last edit 7/06/2016</a:t>
+            </a:r>
           </a:p>
         </p:txBody>
       </p:sp>
@@ -1814,7 +1861,7 @@
     </p:spTree>
     <p:extLst>
       <p:ext uri="{BB962C8B-B14F-4D97-AF65-F5344CB8AC3E}">
-        <p14:creationId xmlns:p14="http://schemas.microsoft.com/office/powerpoint/2010/main" val="410267722"/>
+        <p14:creationId xmlns:p14="http://schemas.microsoft.com/office/powerpoint/2010/main" val="1046893543"/>
       </p:ext>
     </p:extLst>
   </p:cSld>
@@ -1962,7 +2009,7 @@
           </a:lstStyle>
           <a:p>
             <a:r>
-              <a:rPr lang="en-US" smtClean="0"/>
+              <a:rPr lang="en-US"/>
               <a:t>Click to edit Master title style</a:t>
             </a:r>
             <a:endParaRPr lang="en-US" dirty="0"/>
@@ -2083,30 +2130,30 @@
           <a:p>
             <a:pPr lvl="0"/>
             <a:r>
+              <a:rPr lang="en-US"/>
+              <a:t>Edit Master text styles</a:t>
+            </a:r>
+          </a:p>
+        </p:txBody>
+      </p:sp>
+      <p:sp>
+        <p:nvSpPr>
+          <p:cNvPr id="4" name="Date Placeholder 3"/>
+          <p:cNvSpPr>
+            <a:spLocks noGrp="1"/>
+          </p:cNvSpPr>
+          <p:nvPr>
+            <p:ph type="dt" sz="half" idx="10"/>
+          </p:nvPr>
+        </p:nvSpPr>
+        <p:spPr/>
+        <p:txBody>
+          <a:bodyPr/>
+          <a:lstStyle/>
+          <a:p>
+            <a:fld id="{E537E3E7-D87D-43BD-9CC6-072E370A1959}" type="datetime1">
               <a:rPr lang="en-US" smtClean="0"/>
-              <a:t>Click to edit Master text styles</a:t>
-            </a:r>
-          </a:p>
-        </p:txBody>
-      </p:sp>
-      <p:sp>
-        <p:nvSpPr>
-          <p:cNvPr id="4" name="Date Placeholder 3"/>
-          <p:cNvSpPr>
-            <a:spLocks noGrp="1"/>
-          </p:cNvSpPr>
-          <p:nvPr>
-            <p:ph type="dt" sz="half" idx="10"/>
-          </p:nvPr>
-        </p:nvSpPr>
-        <p:spPr/>
-        <p:txBody>
-          <a:bodyPr/>
-          <a:lstStyle/>
-          <a:p>
-            <a:fld id="{719062A6-538C-914A-A4D7-9D77EAAE33AB}" type="datetime1">
-              <a:rPr lang="en-US" smtClean="0"/>
-              <a:t>11/13/15</a:t>
+              <a:t>7/6/2016</a:t>
             </a:fld>
             <a:endParaRPr lang="en-US"/>
           </a:p>
@@ -2128,10 +2175,9 @@
           <a:lstStyle/>
           <a:p>
             <a:r>
-              <a:rPr lang="sk-SK" smtClean="0"/>
-              <a:t>© 2015 EV3Lessons.com, Last edit 11/13/2015</a:t>
-            </a:r>
-            <a:endParaRPr lang="en-US"/>
+              <a:rPr lang="en-US"/>
+              <a:t>Copytight © 2015 EV3Lessons.com, Last edit 7/06/2016</a:t>
+            </a:r>
           </a:p>
         </p:txBody>
       </p:sp>
@@ -2199,7 +2245,7 @@
     </p:spTree>
     <p:extLst>
       <p:ext uri="{BB962C8B-B14F-4D97-AF65-F5344CB8AC3E}">
-        <p14:creationId xmlns:p14="http://schemas.microsoft.com/office/powerpoint/2010/main" val="1947096784"/>
+        <p14:creationId xmlns:p14="http://schemas.microsoft.com/office/powerpoint/2010/main" val="4269413245"/>
       </p:ext>
     </p:extLst>
   </p:cSld>
@@ -2247,7 +2293,7 @@
           <a:lstStyle/>
           <a:p>
             <a:r>
-              <a:rPr lang="en-US" smtClean="0"/>
+              <a:rPr lang="en-US"/>
               <a:t>Click to edit Master title style</a:t>
             </a:r>
             <a:endParaRPr lang="en-US" dirty="0"/>
@@ -2276,35 +2322,35 @@
           <a:p>
             <a:pPr lvl="0"/>
             <a:r>
-              <a:rPr lang="en-US" smtClean="0"/>
-              <a:t>Click to edit Master text styles</a:t>
+              <a:rPr lang="en-US"/>
+              <a:t>Edit Master text styles</a:t>
             </a:r>
           </a:p>
           <a:p>
             <a:pPr lvl="1"/>
             <a:r>
-              <a:rPr lang="en-US" smtClean="0"/>
+              <a:rPr lang="en-US"/>
               <a:t>Second level</a:t>
             </a:r>
           </a:p>
           <a:p>
             <a:pPr lvl="2"/>
             <a:r>
-              <a:rPr lang="en-US" smtClean="0"/>
+              <a:rPr lang="en-US"/>
               <a:t>Third level</a:t>
             </a:r>
           </a:p>
           <a:p>
             <a:pPr lvl="3"/>
             <a:r>
-              <a:rPr lang="en-US" smtClean="0"/>
+              <a:rPr lang="en-US"/>
               <a:t>Fourth level</a:t>
             </a:r>
           </a:p>
           <a:p>
             <a:pPr lvl="4"/>
             <a:r>
-              <a:rPr lang="en-US" smtClean="0"/>
+              <a:rPr lang="en-US"/>
               <a:t>Fifth level</a:t>
             </a:r>
             <a:endParaRPr lang="en-US" dirty="0"/>
@@ -2333,59 +2379,59 @@
           <a:p>
             <a:pPr lvl="0"/>
             <a:r>
+              <a:rPr lang="en-US"/>
+              <a:t>Edit Master text styles</a:t>
+            </a:r>
+          </a:p>
+          <a:p>
+            <a:pPr lvl="1"/>
+            <a:r>
+              <a:rPr lang="en-US"/>
+              <a:t>Second level</a:t>
+            </a:r>
+          </a:p>
+          <a:p>
+            <a:pPr lvl="2"/>
+            <a:r>
+              <a:rPr lang="en-US"/>
+              <a:t>Third level</a:t>
+            </a:r>
+          </a:p>
+          <a:p>
+            <a:pPr lvl="3"/>
+            <a:r>
+              <a:rPr lang="en-US"/>
+              <a:t>Fourth level</a:t>
+            </a:r>
+          </a:p>
+          <a:p>
+            <a:pPr lvl="4"/>
+            <a:r>
+              <a:rPr lang="en-US"/>
+              <a:t>Fifth level</a:t>
+            </a:r>
+            <a:endParaRPr lang="en-US" dirty="0"/>
+          </a:p>
+        </p:txBody>
+      </p:sp>
+      <p:sp>
+        <p:nvSpPr>
+          <p:cNvPr id="5" name="Date Placeholder 4"/>
+          <p:cNvSpPr>
+            <a:spLocks noGrp="1"/>
+          </p:cNvSpPr>
+          <p:nvPr>
+            <p:ph type="dt" sz="half" idx="10"/>
+          </p:nvPr>
+        </p:nvSpPr>
+        <p:spPr/>
+        <p:txBody>
+          <a:bodyPr/>
+          <a:lstStyle/>
+          <a:p>
+            <a:fld id="{603B4C20-ED42-42FE-A4A0-B797DA2E0B60}" type="datetime1">
               <a:rPr lang="en-US" smtClean="0"/>
-              <a:t>Click to edit Master text styles</a:t>
-            </a:r>
-          </a:p>
-          <a:p>
-            <a:pPr lvl="1"/>
-            <a:r>
-              <a:rPr lang="en-US" smtClean="0"/>
-              <a:t>Second level</a:t>
-            </a:r>
-          </a:p>
-          <a:p>
-            <a:pPr lvl="2"/>
-            <a:r>
-              <a:rPr lang="en-US" smtClean="0"/>
-              <a:t>Third level</a:t>
-            </a:r>
-          </a:p>
-          <a:p>
-            <a:pPr lvl="3"/>
-            <a:r>
-              <a:rPr lang="en-US" smtClean="0"/>
-              <a:t>Fourth level</a:t>
-            </a:r>
-          </a:p>
-          <a:p>
-            <a:pPr lvl="4"/>
-            <a:r>
-              <a:rPr lang="en-US" smtClean="0"/>
-              <a:t>Fifth level</a:t>
-            </a:r>
-            <a:endParaRPr lang="en-US" dirty="0"/>
-          </a:p>
-        </p:txBody>
-      </p:sp>
-      <p:sp>
-        <p:nvSpPr>
-          <p:cNvPr id="5" name="Date Placeholder 4"/>
-          <p:cNvSpPr>
-            <a:spLocks noGrp="1"/>
-          </p:cNvSpPr>
-          <p:nvPr>
-            <p:ph type="dt" sz="half" idx="10"/>
-          </p:nvPr>
-        </p:nvSpPr>
-        <p:spPr/>
-        <p:txBody>
-          <a:bodyPr/>
-          <a:lstStyle/>
-          <a:p>
-            <a:fld id="{FBA86DE5-4727-3C44-A125-458AC819E1C1}" type="datetime1">
-              <a:rPr lang="en-US" smtClean="0"/>
-              <a:t>11/13/15</a:t>
+              <a:t>7/6/2016</a:t>
             </a:fld>
             <a:endParaRPr lang="en-US"/>
           </a:p>
@@ -2406,6 +2452,10 @@
           <a:bodyPr/>
           <a:lstStyle/>
           <a:p>
+            <a:r>
+              <a:rPr lang="en-US"/>
+              <a:t>Copytight © 2015 EV3Lessons.com, Last edit 7/06/2016</a:t>
+            </a:r>
             <a:endParaRPr lang="en-US" dirty="0"/>
           </a:p>
         </p:txBody>
@@ -2436,7 +2486,7 @@
     </p:spTree>
     <p:extLst>
       <p:ext uri="{BB962C8B-B14F-4D97-AF65-F5344CB8AC3E}">
-        <p14:creationId xmlns:p14="http://schemas.microsoft.com/office/powerpoint/2010/main" val="1499835702"/>
+        <p14:creationId xmlns:p14="http://schemas.microsoft.com/office/powerpoint/2010/main" val="1621615565"/>
       </p:ext>
     </p:extLst>
   </p:cSld>
@@ -2484,7 +2534,7 @@
           <a:lstStyle/>
           <a:p>
             <a:r>
-              <a:rPr lang="en-US" smtClean="0"/>
+              <a:rPr lang="en-US"/>
               <a:t>Click to edit Master title style</a:t>
             </a:r>
             <a:endParaRPr lang="en-US" dirty="0"/>
@@ -2556,8 +2606,8 @@
           <a:p>
             <a:pPr lvl="0"/>
             <a:r>
-              <a:rPr lang="en-US" smtClean="0"/>
-              <a:t>Click to edit Master text styles</a:t>
+              <a:rPr lang="en-US"/>
+              <a:t>Edit Master text styles</a:t>
             </a:r>
           </a:p>
         </p:txBody>
@@ -2584,35 +2634,35 @@
           <a:p>
             <a:pPr lvl="0"/>
             <a:r>
-              <a:rPr lang="en-US" smtClean="0"/>
-              <a:t>Click to edit Master text styles</a:t>
+              <a:rPr lang="en-US"/>
+              <a:t>Edit Master text styles</a:t>
             </a:r>
           </a:p>
           <a:p>
             <a:pPr lvl="1"/>
             <a:r>
-              <a:rPr lang="en-US" smtClean="0"/>
+              <a:rPr lang="en-US"/>
               <a:t>Second level</a:t>
             </a:r>
           </a:p>
           <a:p>
             <a:pPr lvl="2"/>
             <a:r>
-              <a:rPr lang="en-US" smtClean="0"/>
+              <a:rPr lang="en-US"/>
               <a:t>Third level</a:t>
             </a:r>
           </a:p>
           <a:p>
             <a:pPr lvl="3"/>
             <a:r>
-              <a:rPr lang="en-US" smtClean="0"/>
+              <a:rPr lang="en-US"/>
               <a:t>Fourth level</a:t>
             </a:r>
           </a:p>
           <a:p>
             <a:pPr lvl="4"/>
             <a:r>
-              <a:rPr lang="en-US" smtClean="0"/>
+              <a:rPr lang="en-US"/>
               <a:t>Fifth level</a:t>
             </a:r>
             <a:endParaRPr lang="en-US" dirty="0"/>
@@ -2684,8 +2734,8 @@
           <a:p>
             <a:pPr lvl="0"/>
             <a:r>
-              <a:rPr lang="en-US" smtClean="0"/>
-              <a:t>Click to edit Master text styles</a:t>
+              <a:rPr lang="en-US"/>
+              <a:t>Edit Master text styles</a:t>
             </a:r>
           </a:p>
         </p:txBody>
@@ -2712,59 +2762,59 @@
           <a:p>
             <a:pPr lvl="0"/>
             <a:r>
+              <a:rPr lang="en-US"/>
+              <a:t>Edit Master text styles</a:t>
+            </a:r>
+          </a:p>
+          <a:p>
+            <a:pPr lvl="1"/>
+            <a:r>
+              <a:rPr lang="en-US"/>
+              <a:t>Second level</a:t>
+            </a:r>
+          </a:p>
+          <a:p>
+            <a:pPr lvl="2"/>
+            <a:r>
+              <a:rPr lang="en-US"/>
+              <a:t>Third level</a:t>
+            </a:r>
+          </a:p>
+          <a:p>
+            <a:pPr lvl="3"/>
+            <a:r>
+              <a:rPr lang="en-US"/>
+              <a:t>Fourth level</a:t>
+            </a:r>
+          </a:p>
+          <a:p>
+            <a:pPr lvl="4"/>
+            <a:r>
+              <a:rPr lang="en-US"/>
+              <a:t>Fifth level</a:t>
+            </a:r>
+            <a:endParaRPr lang="en-US" dirty="0"/>
+          </a:p>
+        </p:txBody>
+      </p:sp>
+      <p:sp>
+        <p:nvSpPr>
+          <p:cNvPr id="7" name="Date Placeholder 6"/>
+          <p:cNvSpPr>
+            <a:spLocks noGrp="1"/>
+          </p:cNvSpPr>
+          <p:nvPr>
+            <p:ph type="dt" sz="half" idx="10"/>
+          </p:nvPr>
+        </p:nvSpPr>
+        <p:spPr/>
+        <p:txBody>
+          <a:bodyPr/>
+          <a:lstStyle/>
+          <a:p>
+            <a:fld id="{E85445E3-1207-4586-9B73-272AEFFFE157}" type="datetime1">
               <a:rPr lang="en-US" smtClean="0"/>
-              <a:t>Click to edit Master text styles</a:t>
-            </a:r>
-          </a:p>
-          <a:p>
-            <a:pPr lvl="1"/>
-            <a:r>
-              <a:rPr lang="en-US" smtClean="0"/>
-              <a:t>Second level</a:t>
-            </a:r>
-          </a:p>
-          <a:p>
-            <a:pPr lvl="2"/>
-            <a:r>
-              <a:rPr lang="en-US" smtClean="0"/>
-              <a:t>Third level</a:t>
-            </a:r>
-          </a:p>
-          <a:p>
-            <a:pPr lvl="3"/>
-            <a:r>
-              <a:rPr lang="en-US" smtClean="0"/>
-              <a:t>Fourth level</a:t>
-            </a:r>
-          </a:p>
-          <a:p>
-            <a:pPr lvl="4"/>
-            <a:r>
-              <a:rPr lang="en-US" smtClean="0"/>
-              <a:t>Fifth level</a:t>
-            </a:r>
-            <a:endParaRPr lang="en-US" dirty="0"/>
-          </a:p>
-        </p:txBody>
-      </p:sp>
-      <p:sp>
-        <p:nvSpPr>
-          <p:cNvPr id="7" name="Date Placeholder 6"/>
-          <p:cNvSpPr>
-            <a:spLocks noGrp="1"/>
-          </p:cNvSpPr>
-          <p:nvPr>
-            <p:ph type="dt" sz="half" idx="10"/>
-          </p:nvPr>
-        </p:nvSpPr>
-        <p:spPr/>
-        <p:txBody>
-          <a:bodyPr/>
-          <a:lstStyle/>
-          <a:p>
-            <a:fld id="{18F252B0-687D-184F-B682-0021640A5D63}" type="datetime1">
-              <a:rPr lang="en-US" smtClean="0"/>
-              <a:t>11/13/15</a:t>
+              <a:t>7/6/2016</a:t>
             </a:fld>
             <a:endParaRPr lang="en-US"/>
           </a:p>
@@ -2786,10 +2836,9 @@
           <a:lstStyle/>
           <a:p>
             <a:r>
-              <a:rPr lang="sk-SK" smtClean="0"/>
-              <a:t>© 2015 EV3Lessons.com, Last edit 11/13/2015</a:t>
-            </a:r>
-            <a:endParaRPr lang="en-US"/>
+              <a:rPr lang="en-US"/>
+              <a:t>Copytight © 2015 EV3Lessons.com, Last edit 7/06/2016</a:t>
+            </a:r>
           </a:p>
         </p:txBody>
       </p:sp>
@@ -2819,7 +2868,7 @@
     </p:spTree>
     <p:extLst>
       <p:ext uri="{BB962C8B-B14F-4D97-AF65-F5344CB8AC3E}">
-        <p14:creationId xmlns:p14="http://schemas.microsoft.com/office/powerpoint/2010/main" val="575595028"/>
+        <p14:creationId xmlns:p14="http://schemas.microsoft.com/office/powerpoint/2010/main" val="2184412728"/>
       </p:ext>
     </p:extLst>
   </p:cSld>
@@ -2862,31 +2911,31 @@
           <a:lstStyle/>
           <a:p>
             <a:r>
+              <a:rPr lang="en-US"/>
+              <a:t>Click to edit Master title style</a:t>
+            </a:r>
+            <a:endParaRPr lang="en-US" dirty="0"/>
+          </a:p>
+        </p:txBody>
+      </p:sp>
+      <p:sp>
+        <p:nvSpPr>
+          <p:cNvPr id="3" name="Date Placeholder 2"/>
+          <p:cNvSpPr>
+            <a:spLocks noGrp="1"/>
+          </p:cNvSpPr>
+          <p:nvPr>
+            <p:ph type="dt" sz="half" idx="10"/>
+          </p:nvPr>
+        </p:nvSpPr>
+        <p:spPr/>
+        <p:txBody>
+          <a:bodyPr/>
+          <a:lstStyle/>
+          <a:p>
+            <a:fld id="{2E9984D3-3B6B-4944-9628-01AD656A06EC}" type="datetime1">
               <a:rPr lang="en-US" smtClean="0"/>
-              <a:t>Click to edit Master title style</a:t>
-            </a:r>
-            <a:endParaRPr lang="en-US" dirty="0"/>
-          </a:p>
-        </p:txBody>
-      </p:sp>
-      <p:sp>
-        <p:nvSpPr>
-          <p:cNvPr id="3" name="Date Placeholder 2"/>
-          <p:cNvSpPr>
-            <a:spLocks noGrp="1"/>
-          </p:cNvSpPr>
-          <p:nvPr>
-            <p:ph type="dt" sz="half" idx="10"/>
-          </p:nvPr>
-        </p:nvSpPr>
-        <p:spPr/>
-        <p:txBody>
-          <a:bodyPr/>
-          <a:lstStyle/>
-          <a:p>
-            <a:fld id="{3457AD7A-12C8-EA48-9011-B2F46261DD98}" type="datetime1">
-              <a:rPr lang="en-US" smtClean="0"/>
-              <a:t>11/13/15</a:t>
+              <a:t>7/6/2016</a:t>
             </a:fld>
             <a:endParaRPr lang="en-US"/>
           </a:p>
@@ -2908,10 +2957,9 @@
           <a:lstStyle/>
           <a:p>
             <a:r>
-              <a:rPr lang="sk-SK" smtClean="0"/>
-              <a:t>© 2015 EV3Lessons.com, Last edit 11/13/2015</a:t>
-            </a:r>
-            <a:endParaRPr lang="en-US"/>
+              <a:rPr lang="en-US"/>
+              <a:t>Copytight © 2015 EV3Lessons.com, Last edit 7/06/2016</a:t>
+            </a:r>
           </a:p>
         </p:txBody>
       </p:sp>
@@ -2941,7 +2989,7 @@
     </p:spTree>
     <p:extLst>
       <p:ext uri="{BB962C8B-B14F-4D97-AF65-F5344CB8AC3E}">
-        <p14:creationId xmlns:p14="http://schemas.microsoft.com/office/powerpoint/2010/main" val="1759289508"/>
+        <p14:creationId xmlns:p14="http://schemas.microsoft.com/office/powerpoint/2010/main" val="3612745140"/>
       </p:ext>
     </p:extLst>
   </p:cSld>
@@ -3059,9 +3107,9 @@
           <a:bodyPr/>
           <a:lstStyle/>
           <a:p>
-            <a:fld id="{77D3C5C7-2346-9A49-8660-921460E2744B}" type="datetime1">
+            <a:fld id="{17E396C8-7A9E-4396-952A-D9B8CD8B20E5}" type="datetime1">
               <a:rPr lang="en-US" smtClean="0"/>
-              <a:t>11/13/15</a:t>
+              <a:t>7/6/2016</a:t>
             </a:fld>
             <a:endParaRPr lang="en-US"/>
           </a:p>
@@ -3091,10 +3139,9 @@
           </a:lstStyle>
           <a:p>
             <a:r>
-              <a:rPr lang="sk-SK" smtClean="0"/>
-              <a:t>© 2015 EV3Lessons.com, Last edit 11/13/2015</a:t>
-            </a:r>
-            <a:endParaRPr lang="en-US"/>
+              <a:rPr lang="en-US"/>
+              <a:t>Copytight © 2015 EV3Lessons.com, Last edit 7/06/2016</a:t>
+            </a:r>
           </a:p>
         </p:txBody>
       </p:sp>
@@ -3124,7 +3171,7 @@
     </p:spTree>
     <p:extLst>
       <p:ext uri="{BB962C8B-B14F-4D97-AF65-F5344CB8AC3E}">
-        <p14:creationId xmlns:p14="http://schemas.microsoft.com/office/powerpoint/2010/main" val="1823909060"/>
+        <p14:creationId xmlns:p14="http://schemas.microsoft.com/office/powerpoint/2010/main" val="900290550"/>
       </p:ext>
     </p:extLst>
   </p:cSld>
@@ -3258,7 +3305,7 @@
           </a:lstStyle>
           <a:p>
             <a:r>
-              <a:rPr lang="en-US" smtClean="0"/>
+              <a:rPr lang="en-US"/>
               <a:t>Click to edit Master title style</a:t>
             </a:r>
             <a:endParaRPr lang="en-US" dirty="0"/>
@@ -3287,35 +3334,35 @@
           <a:p>
             <a:pPr lvl="0"/>
             <a:r>
-              <a:rPr lang="en-US" smtClean="0"/>
-              <a:t>Click to edit Master text styles</a:t>
+              <a:rPr lang="en-US"/>
+              <a:t>Edit Master text styles</a:t>
             </a:r>
           </a:p>
           <a:p>
             <a:pPr lvl="1"/>
             <a:r>
-              <a:rPr lang="en-US" smtClean="0"/>
+              <a:rPr lang="en-US"/>
               <a:t>Second level</a:t>
             </a:r>
           </a:p>
           <a:p>
             <a:pPr lvl="2"/>
             <a:r>
-              <a:rPr lang="en-US" smtClean="0"/>
+              <a:rPr lang="en-US"/>
               <a:t>Third level</a:t>
             </a:r>
           </a:p>
           <a:p>
             <a:pPr lvl="3"/>
             <a:r>
-              <a:rPr lang="en-US" smtClean="0"/>
+              <a:rPr lang="en-US"/>
               <a:t>Fourth level</a:t>
             </a:r>
           </a:p>
           <a:p>
             <a:pPr lvl="4"/>
             <a:r>
-              <a:rPr lang="en-US" smtClean="0"/>
+              <a:rPr lang="en-US"/>
               <a:t>Fifth level</a:t>
             </a:r>
             <a:endParaRPr lang="en-US" dirty="0"/>
@@ -3387,8 +3434,8 @@
           <a:p>
             <a:pPr lvl="0"/>
             <a:r>
-              <a:rPr lang="en-US" smtClean="0"/>
-              <a:t>Click to edit Master text styles</a:t>
+              <a:rPr lang="en-US"/>
+              <a:t>Edit Master text styles</a:t>
             </a:r>
           </a:p>
         </p:txBody>
@@ -3417,9 +3464,9 @@
             </a:lvl1pPr>
           </a:lstStyle>
           <a:p>
-            <a:fld id="{E5A27797-1683-ED47-A74A-6DEBEDA39DC8}" type="datetime1">
+            <a:fld id="{810AC78C-C58D-4293-8F48-B6FF939DD0A5}" type="datetime1">
               <a:rPr lang="en-US" smtClean="0"/>
-              <a:t>11/13/15</a:t>
+              <a:t>7/6/2016</a:t>
             </a:fld>
             <a:endParaRPr lang="en-US"/>
           </a:p>
@@ -3454,10 +3501,9 @@
           </a:lstStyle>
           <a:p>
             <a:r>
-              <a:rPr lang="sk-SK" smtClean="0"/>
-              <a:t>© 2015 EV3Lessons.com, Last edit 11/13/2015</a:t>
-            </a:r>
-            <a:endParaRPr lang="en-US"/>
+              <a:rPr lang="en-US"/>
+              <a:t>Copytight © 2015 EV3Lessons.com, Last edit 7/06/2016</a:t>
+            </a:r>
           </a:p>
         </p:txBody>
       </p:sp>
@@ -3495,7 +3541,7 @@
     </p:spTree>
     <p:extLst>
       <p:ext uri="{BB962C8B-B14F-4D97-AF65-F5344CB8AC3E}">
-        <p14:creationId xmlns:p14="http://schemas.microsoft.com/office/powerpoint/2010/main" val="1257994142"/>
+        <p14:creationId xmlns:p14="http://schemas.microsoft.com/office/powerpoint/2010/main" val="3104807337"/>
       </p:ext>
     </p:extLst>
   </p:cSld>
@@ -3629,7 +3675,7 @@
           </a:lstStyle>
           <a:p>
             <a:r>
-              <a:rPr lang="en-US" smtClean="0"/>
+              <a:rPr lang="en-US"/>
               <a:t>Click to edit Master title style</a:t>
             </a:r>
             <a:endParaRPr lang="en-US" dirty="0"/>
@@ -3704,8 +3750,8 @@
           </a:lstStyle>
           <a:p>
             <a:r>
-              <a:rPr lang="en-US" smtClean="0"/>
-              <a:t>Drag picture to placeholder or click icon to add</a:t>
+              <a:rPr lang="en-US"/>
+              <a:t>Click icon to add picture</a:t>
             </a:r>
             <a:endParaRPr lang="en-US" dirty="0"/>
           </a:p>
@@ -3782,30 +3828,30 @@
           <a:p>
             <a:pPr lvl="0"/>
             <a:r>
+              <a:rPr lang="en-US"/>
+              <a:t>Edit Master text styles</a:t>
+            </a:r>
+          </a:p>
+        </p:txBody>
+      </p:sp>
+      <p:sp>
+        <p:nvSpPr>
+          <p:cNvPr id="5" name="Date Placeholder 4"/>
+          <p:cNvSpPr>
+            <a:spLocks noGrp="1"/>
+          </p:cNvSpPr>
+          <p:nvPr>
+            <p:ph type="dt" sz="half" idx="10"/>
+          </p:nvPr>
+        </p:nvSpPr>
+        <p:spPr/>
+        <p:txBody>
+          <a:bodyPr/>
+          <a:lstStyle/>
+          <a:p>
+            <a:fld id="{8126FF01-442B-4E22-BB88-A6A75B3591A0}" type="datetime1">
               <a:rPr lang="en-US" smtClean="0"/>
-              <a:t>Click to edit Master text styles</a:t>
-            </a:r>
-          </a:p>
-        </p:txBody>
-      </p:sp>
-      <p:sp>
-        <p:nvSpPr>
-          <p:cNvPr id="5" name="Date Placeholder 4"/>
-          <p:cNvSpPr>
-            <a:spLocks noGrp="1"/>
-          </p:cNvSpPr>
-          <p:nvPr>
-            <p:ph type="dt" sz="half" idx="10"/>
-          </p:nvPr>
-        </p:nvSpPr>
-        <p:spPr/>
-        <p:txBody>
-          <a:bodyPr/>
-          <a:lstStyle/>
-          <a:p>
-            <a:fld id="{9F9CFCDA-76FF-C942-8304-6FF0EF7EF019}" type="datetime1">
-              <a:rPr lang="en-US" smtClean="0"/>
-              <a:t>11/13/15</a:t>
+              <a:t>7/6/2016</a:t>
             </a:fld>
             <a:endParaRPr lang="en-US"/>
           </a:p>
@@ -3827,10 +3873,9 @@
           <a:lstStyle/>
           <a:p>
             <a:r>
-              <a:rPr lang="sk-SK" smtClean="0"/>
-              <a:t>© 2015 EV3Lessons.com, Last edit 11/13/2015</a:t>
-            </a:r>
-            <a:endParaRPr lang="en-US"/>
+              <a:rPr lang="en-US"/>
+              <a:t>Copytight © 2015 EV3Lessons.com, Last edit 7/06/2016</a:t>
+            </a:r>
           </a:p>
         </p:txBody>
       </p:sp>
@@ -3860,7 +3905,7 @@
     </p:spTree>
     <p:extLst>
       <p:ext uri="{BB962C8B-B14F-4D97-AF65-F5344CB8AC3E}">
-        <p14:creationId xmlns:p14="http://schemas.microsoft.com/office/powerpoint/2010/main" val="1131039879"/>
+        <p14:creationId xmlns:p14="http://schemas.microsoft.com/office/powerpoint/2010/main" val="2669835457"/>
       </p:ext>
     </p:extLst>
   </p:cSld>
@@ -3871,7 +3916,7 @@
 </file>
 
 <file path=ppt/slideMasters/slideMaster1.xml><?xml version="1.0" encoding="utf-8"?>
-<p:sldMaster xmlns:a="http://schemas.openxmlformats.org/drawingml/2006/main" xmlns:r="http://schemas.openxmlformats.org/officeDocument/2006/relationships" xmlns:p="http://schemas.openxmlformats.org/presentationml/2006/main">
+<p:sldMaster xmlns:a="http://schemas.openxmlformats.org/drawingml/2006/main" xmlns:r="http://schemas.openxmlformats.org/officeDocument/2006/relationships" xmlns:p="http://schemas.openxmlformats.org/presentationml/2006/main" preserve="1">
   <p:cSld>
     <p:bg>
       <p:bgRef idx="1001">
@@ -3996,7 +4041,7 @@
           <a:lstStyle/>
           <a:p>
             <a:r>
-              <a:rPr lang="en-US" smtClean="0"/>
+              <a:rPr lang="en-US"/>
               <a:t>Click to edit Master title style</a:t>
             </a:r>
             <a:endParaRPr lang="en-US" dirty="0"/>
@@ -4030,35 +4075,35 @@
           <a:p>
             <a:pPr lvl="0"/>
             <a:r>
-              <a:rPr lang="en-US" smtClean="0"/>
-              <a:t>Click to edit Master text styles</a:t>
+              <a:rPr lang="en-US"/>
+              <a:t>Edit Master text styles</a:t>
             </a:r>
           </a:p>
           <a:p>
             <a:pPr lvl="1"/>
             <a:r>
-              <a:rPr lang="en-US" smtClean="0"/>
+              <a:rPr lang="en-US"/>
               <a:t>Second level</a:t>
             </a:r>
           </a:p>
           <a:p>
             <a:pPr lvl="2"/>
             <a:r>
-              <a:rPr lang="en-US" smtClean="0"/>
+              <a:rPr lang="en-US"/>
               <a:t>Third level</a:t>
             </a:r>
           </a:p>
           <a:p>
             <a:pPr lvl="3"/>
             <a:r>
-              <a:rPr lang="en-US" smtClean="0"/>
+              <a:rPr lang="en-US"/>
               <a:t>Fourth level</a:t>
             </a:r>
           </a:p>
           <a:p>
             <a:pPr lvl="4"/>
             <a:r>
-              <a:rPr lang="en-US" smtClean="0"/>
+              <a:rPr lang="en-US"/>
               <a:t>Fifth level</a:t>
             </a:r>
             <a:endParaRPr lang="en-US" dirty="0"/>
@@ -4096,9 +4141,9 @@
             </a:lvl1pPr>
           </a:lstStyle>
           <a:p>
-            <a:fld id="{0604F77D-FCB8-A946-86A9-D14BD65D0D3D}" type="datetime1">
+            <a:fld id="{4845D745-A5D0-46AA-AB5B-73F831CB1B75}" type="datetime1">
               <a:rPr lang="en-US" smtClean="0"/>
-              <a:t>11/13/15</a:t>
+              <a:t>7/6/2016</a:t>
             </a:fld>
             <a:endParaRPr lang="en-US" dirty="0"/>
           </a:p>
@@ -4136,8 +4181,8 @@
           </a:lstStyle>
           <a:p>
             <a:r>
-              <a:rPr lang="sk-SK" smtClean="0"/>
-              <a:t>© 2015 EV3Lessons.com, Last edit 11/13/2015</a:t>
+              <a:rPr lang="en-US"/>
+              <a:t>Copytight © 2015 EV3Lessons.com, Last edit 7/06/2016</a:t>
             </a:r>
             <a:endParaRPr lang="en-US" dirty="0"/>
           </a:p>
@@ -4224,7 +4269,7 @@
         <p:nvSpPr>
           <p:cNvPr id="11" name="Rectangle 10"/>
           <p:cNvSpPr/>
-          <p:nvPr userDrawn="1"/>
+          <p:nvPr/>
         </p:nvSpPr>
         <p:spPr>
           <a:xfrm>
@@ -4258,26 +4303,64 @@
           </a:fontRef>
         </p:style>
       </p:sp>
+      <p:sp>
+        <p:nvSpPr>
+          <p:cNvPr id="12" name="Rectangle 11"/>
+          <p:cNvSpPr/>
+          <p:nvPr userDrawn="1"/>
+        </p:nvSpPr>
+        <p:spPr>
+          <a:xfrm>
+            <a:off x="4487333" y="6334315"/>
+            <a:ext cx="4656667" cy="92382"/>
+          </a:xfrm>
+          <a:prstGeom prst="rect">
+            <a:avLst/>
+          </a:prstGeom>
+          <a:solidFill>
+            <a:srgbClr val="7030A0"/>
+          </a:solidFill>
+          <a:ln>
+            <a:noFill/>
+          </a:ln>
+        </p:spPr>
+        <p:style>
+          <a:lnRef idx="2">
+            <a:schemeClr val="accent1">
+              <a:shade val="50000"/>
+            </a:schemeClr>
+          </a:lnRef>
+          <a:fillRef idx="1">
+            <a:schemeClr val="accent1"/>
+          </a:fillRef>
+          <a:effectRef idx="0">
+            <a:schemeClr val="accent1"/>
+          </a:effectRef>
+          <a:fontRef idx="minor">
+            <a:schemeClr val="lt1"/>
+          </a:fontRef>
+        </p:style>
+      </p:sp>
     </p:spTree>
     <p:extLst>
       <p:ext uri="{BB962C8B-B14F-4D97-AF65-F5344CB8AC3E}">
-        <p14:creationId xmlns:p14="http://schemas.microsoft.com/office/powerpoint/2010/main" val="598935715"/>
+        <p14:creationId xmlns:p14="http://schemas.microsoft.com/office/powerpoint/2010/main" val="198666535"/>
       </p:ext>
     </p:extLst>
   </p:cSld>
   <p:clrMap bg1="lt1" tx1="dk1" bg2="lt2" tx2="dk2" accent1="accent1" accent2="accent2" accent3="accent3" accent4="accent4" accent5="accent5" accent6="accent6" hlink="hlink" folHlink="folHlink"/>
   <p:sldLayoutIdLst>
-    <p:sldLayoutId id="2147483836" r:id="rId1"/>
-    <p:sldLayoutId id="2147483837" r:id="rId2"/>
-    <p:sldLayoutId id="2147483838" r:id="rId3"/>
-    <p:sldLayoutId id="2147483839" r:id="rId4"/>
-    <p:sldLayoutId id="2147483840" r:id="rId5"/>
-    <p:sldLayoutId id="2147483841" r:id="rId6"/>
-    <p:sldLayoutId id="2147483842" r:id="rId7"/>
-    <p:sldLayoutId id="2147483843" r:id="rId8"/>
-    <p:sldLayoutId id="2147483844" r:id="rId9"/>
-    <p:sldLayoutId id="2147483845" r:id="rId10"/>
-    <p:sldLayoutId id="2147483846" r:id="rId11"/>
+    <p:sldLayoutId id="2147483848" r:id="rId1"/>
+    <p:sldLayoutId id="2147483849" r:id="rId2"/>
+    <p:sldLayoutId id="2147483850" r:id="rId3"/>
+    <p:sldLayoutId id="2147483851" r:id="rId4"/>
+    <p:sldLayoutId id="2147483852" r:id="rId5"/>
+    <p:sldLayoutId id="2147483853" r:id="rId6"/>
+    <p:sldLayoutId id="2147483854" r:id="rId7"/>
+    <p:sldLayoutId id="2147483855" r:id="rId8"/>
+    <p:sldLayoutId id="2147483856" r:id="rId9"/>
+    <p:sldLayoutId id="2147483857" r:id="rId10"/>
+    <p:sldLayoutId id="2147483858" r:id="rId11"/>
   </p:sldLayoutIdLst>
   <p:hf hdr="0" dt="0"/>
   <p:txStyles>
@@ -4678,15 +4761,14 @@
         <p:spPr/>
         <p:txBody>
           <a:bodyPr>
-            <a:normAutofit fontScale="90000"/>
+            <a:normAutofit/>
           </a:bodyPr>
           <a:lstStyle/>
           <a:p>
             <a:r>
-              <a:rPr lang="en-US" dirty="0" smtClean="0"/>
+              <a:rPr lang="en-US" dirty="0"/>
               <a:t>INTERMEDIATE PROGRAMMING LESSON</a:t>
             </a:r>
-            <a:endParaRPr lang="en-US" dirty="0"/>
           </a:p>
         </p:txBody>
       </p:sp>
@@ -4708,10 +4790,9 @@
           <a:lstStyle/>
           <a:p>
             <a:r>
-              <a:rPr lang="en-US" dirty="0" smtClean="0"/>
+              <a:rPr lang="en-US" dirty="0"/>
               <a:t>Data Wires</a:t>
             </a:r>
-            <a:endParaRPr lang="en-US" dirty="0"/>
           </a:p>
         </p:txBody>
       </p:sp>
@@ -4725,13 +4806,6 @@
   <p:clrMapOvr>
     <a:masterClrMapping/>
   </p:clrMapOvr>
-  <p:timing>
-    <p:tnLst>
-      <p:par>
-        <p:cTn id="1" dur="indefinite" restart="never" nodeType="tmRoot"/>
-      </p:par>
-    </p:tnLst>
-  </p:timing>
 </p:sld>
 </file>
 
@@ -4768,56 +4842,9 @@
           <a:lstStyle/>
           <a:p>
             <a:r>
-              <a:rPr lang="en-US" dirty="0" smtClean="0"/>
+              <a:rPr lang="en-US" dirty="0"/>
               <a:t>More Complex Wiring: Switches</a:t>
             </a:r>
-            <a:endParaRPr lang="en-US" dirty="0"/>
-          </a:p>
-        </p:txBody>
-      </p:sp>
-      <p:sp>
-        <p:nvSpPr>
-          <p:cNvPr id="4" name="Footer Placeholder 3"/>
-          <p:cNvSpPr>
-            <a:spLocks noGrp="1"/>
-          </p:cNvSpPr>
-          <p:nvPr>
-            <p:ph type="ftr" sz="quarter" idx="11"/>
-          </p:nvPr>
-        </p:nvSpPr>
-        <p:spPr/>
-        <p:txBody>
-          <a:bodyPr/>
-          <a:lstStyle/>
-          <a:p>
-            <a:r>
-              <a:rPr lang="sk-SK" smtClean="0"/>
-              <a:t>© 2015 EV3Lessons.com, Last edit 11/13/2015</a:t>
-            </a:r>
-            <a:endParaRPr lang="en-US"/>
-          </a:p>
-        </p:txBody>
-      </p:sp>
-      <p:sp>
-        <p:nvSpPr>
-          <p:cNvPr id="5" name="Slide Number Placeholder 4"/>
-          <p:cNvSpPr>
-            <a:spLocks noGrp="1"/>
-          </p:cNvSpPr>
-          <p:nvPr>
-            <p:ph type="sldNum" sz="quarter" idx="12"/>
-          </p:nvPr>
-        </p:nvSpPr>
-        <p:spPr/>
-        <p:txBody>
-          <a:bodyPr/>
-          <a:lstStyle/>
-          <a:p>
-            <a:fld id="{4382A7F7-08BF-4252-8141-63FB96055BBB}" type="slidenum">
-              <a:rPr lang="en-US" smtClean="0"/>
-              <a:t>10</a:t>
-            </a:fld>
-            <a:endParaRPr lang="en-US"/>
           </a:p>
         </p:txBody>
       </p:sp>
@@ -4832,7 +4859,7 @@
           </p:nvPr>
         </p:nvPicPr>
         <p:blipFill>
-          <a:blip r:embed="rId2">
+          <a:blip r:embed="rId2" cstate="email">
             <a:extLst>
               <a:ext uri="{28A0092B-C50C-407E-A947-70E740481C1C}">
                 <a14:useLocalDpi xmlns:a14="http://schemas.microsoft.com/office/drawing/2010/main" val="0"/>
@@ -4852,6 +4879,51 @@
       </p:pic>
       <p:sp>
         <p:nvSpPr>
+          <p:cNvPr id="4" name="Footer Placeholder 3"/>
+          <p:cNvSpPr>
+            <a:spLocks noGrp="1"/>
+          </p:cNvSpPr>
+          <p:nvPr>
+            <p:ph type="ftr" sz="quarter" idx="11"/>
+          </p:nvPr>
+        </p:nvSpPr>
+        <p:spPr/>
+        <p:txBody>
+          <a:bodyPr/>
+          <a:lstStyle/>
+          <a:p>
+            <a:r>
+              <a:rPr lang="en-US"/>
+              <a:t>Copytight © 2015 EV3Lessons.com, Last edit 7/06/2016</a:t>
+            </a:r>
+          </a:p>
+        </p:txBody>
+      </p:sp>
+      <p:sp>
+        <p:nvSpPr>
+          <p:cNvPr id="5" name="Slide Number Placeholder 4"/>
+          <p:cNvSpPr>
+            <a:spLocks noGrp="1"/>
+          </p:cNvSpPr>
+          <p:nvPr>
+            <p:ph type="sldNum" sz="quarter" idx="12"/>
+          </p:nvPr>
+        </p:nvSpPr>
+        <p:spPr/>
+        <p:txBody>
+          <a:bodyPr/>
+          <a:lstStyle/>
+          <a:p>
+            <a:fld id="{4382A7F7-08BF-4252-8141-63FB96055BBB}" type="slidenum">
+              <a:rPr lang="en-US" smtClean="0"/>
+              <a:t>10</a:t>
+            </a:fld>
+            <a:endParaRPr lang="en-US"/>
+          </a:p>
+        </p:txBody>
+      </p:sp>
+      <p:sp>
+        <p:nvSpPr>
           <p:cNvPr id="10" name="TextBox 9"/>
           <p:cNvSpPr txBox="1"/>
           <p:nvPr/>
@@ -4876,7 +4948,7 @@
               <a:buAutoNum type="alphaUcPeriod"/>
             </a:pPr>
             <a:r>
-              <a:rPr lang="en-US" dirty="0" smtClean="0">
+              <a:rPr lang="en-US" dirty="0">
                 <a:solidFill>
                   <a:schemeClr val="accent1"/>
                 </a:solidFill>
@@ -4960,18 +5032,13 @@
           <a:lstStyle/>
           <a:p>
             <a:r>
-              <a:rPr lang="en-US" sz="1400" b="1" dirty="0" smtClean="0">
+              <a:rPr lang="en-US" sz="1400" b="1" dirty="0">
                 <a:solidFill>
                   <a:schemeClr val="accent1"/>
                 </a:solidFill>
               </a:rPr>
               <a:t>A</a:t>
             </a:r>
-            <a:endParaRPr lang="en-US" sz="1400" b="1" dirty="0">
-              <a:solidFill>
-                <a:schemeClr val="accent1"/>
-              </a:solidFill>
-            </a:endParaRPr>
           </a:p>
         </p:txBody>
       </p:sp>
@@ -4984,7 +5051,7 @@
           <p:nvPr/>
         </p:nvPicPr>
         <p:blipFill>
-          <a:blip r:embed="rId3">
+          <a:blip r:embed="rId3" cstate="email">
             <a:extLst>
               <a:ext uri="{28A0092B-C50C-407E-A947-70E740481C1C}">
                 <a14:useLocalDpi xmlns:a14="http://schemas.microsoft.com/office/drawing/2010/main" val="0"/>
@@ -5014,7 +5081,7 @@
           <p:nvPr/>
         </p:nvPicPr>
         <p:blipFill>
-          <a:blip r:embed="rId4">
+          <a:blip r:embed="rId4" cstate="email">
             <a:extLst>
               <a:ext uri="{28A0092B-C50C-407E-A947-70E740481C1C}">
                 <a14:useLocalDpi xmlns:a14="http://schemas.microsoft.com/office/drawing/2010/main" val="0"/>
@@ -5150,18 +5217,13 @@
           <a:lstStyle/>
           <a:p>
             <a:r>
-              <a:rPr lang="en-US" sz="1400" b="1" dirty="0" smtClean="0">
+              <a:rPr lang="en-US" sz="1400" b="1" dirty="0">
                 <a:solidFill>
                   <a:srgbClr val="7030A0"/>
                 </a:solidFill>
               </a:rPr>
               <a:t>C</a:t>
             </a:r>
-            <a:endParaRPr lang="en-US" sz="1400" b="1" dirty="0">
-              <a:solidFill>
-                <a:srgbClr val="7030A0"/>
-              </a:solidFill>
-            </a:endParaRPr>
           </a:p>
         </p:txBody>
       </p:sp>
@@ -5188,18 +5250,13 @@
           <a:lstStyle/>
           <a:p>
             <a:r>
-              <a:rPr lang="en-US" sz="1400" b="1" dirty="0" smtClean="0">
+              <a:rPr lang="en-US" sz="1400" b="1" dirty="0">
                 <a:solidFill>
                   <a:srgbClr val="7030A0"/>
                 </a:solidFill>
               </a:rPr>
               <a:t>C</a:t>
             </a:r>
-            <a:endParaRPr lang="en-US" sz="1400" b="1" dirty="0">
-              <a:solidFill>
-                <a:srgbClr val="7030A0"/>
-              </a:solidFill>
-            </a:endParaRPr>
           </a:p>
         </p:txBody>
       </p:sp>
@@ -5258,7 +5315,7 @@
           </a:bodyPr>
           <a:lstStyle/>
           <a:p>
-            <a:endParaRPr lang="en-US" dirty="0" smtClean="0">
+            <a:endParaRPr lang="en-US" dirty="0">
               <a:solidFill>
                 <a:srgbClr val="00B050"/>
               </a:solidFill>
@@ -5266,7 +5323,7 @@
           </a:p>
           <a:p>
             <a:r>
-              <a:rPr lang="en-US" dirty="0" smtClean="0">
+              <a:rPr lang="en-US" dirty="0">
                 <a:solidFill>
                   <a:srgbClr val="00B050"/>
                 </a:solidFill>
@@ -5304,18 +5361,13 @@
           <a:lstStyle/>
           <a:p>
             <a:r>
-              <a:rPr lang="en-US" dirty="0" smtClean="0">
+              <a:rPr lang="en-US" dirty="0">
                 <a:solidFill>
                   <a:srgbClr val="7030A0"/>
                 </a:solidFill>
               </a:rPr>
               <a:t>C. Different options in the switch can connect to the same wire</a:t>
             </a:r>
-            <a:endParaRPr lang="en-US" dirty="0">
-              <a:solidFill>
-                <a:srgbClr val="7030A0"/>
-              </a:solidFill>
-            </a:endParaRPr>
           </a:p>
         </p:txBody>
       </p:sp>
@@ -5365,10 +5417,9 @@
           <a:lstStyle/>
           <a:p>
             <a:r>
-              <a:rPr lang="en-US" dirty="0" smtClean="0"/>
+              <a:rPr lang="en-US" dirty="0"/>
               <a:t>More Complex Wiring: Loops</a:t>
             </a:r>
-            <a:endParaRPr lang="en-US" dirty="0"/>
           </a:p>
         </p:txBody>
       </p:sp>
@@ -5393,19 +5444,19 @@
           <a:lstStyle/>
           <a:p>
             <a:r>
-              <a:rPr lang="en-US" dirty="0" smtClean="0"/>
+              <a:rPr lang="en-US" dirty="0"/>
               <a:t>You can </a:t>
             </a:r>
             <a:r>
-              <a:rPr lang="en-US" smtClean="0"/>
+              <a:rPr lang="en-US"/>
               <a:t>connect wires both </a:t>
             </a:r>
             <a:r>
-              <a:rPr lang="en-US" dirty="0" smtClean="0"/>
+              <a:rPr lang="en-US" dirty="0"/>
               <a:t>into and out of </a:t>
             </a:r>
             <a:r>
-              <a:rPr lang="en-US" smtClean="0"/>
+              <a:rPr lang="en-US"/>
               <a:t>a loop like in the example below</a:t>
             </a:r>
             <a:endParaRPr lang="en-US" dirty="0"/>
@@ -5428,10 +5479,9 @@
           <a:lstStyle/>
           <a:p>
             <a:r>
-              <a:rPr lang="sk-SK" smtClean="0"/>
-              <a:t>© 2015 EV3Lessons.com, Last edit 11/13/2015</a:t>
-            </a:r>
-            <a:endParaRPr lang="en-US"/>
+              <a:rPr lang="en-US"/>
+              <a:t>Copytight © 2015 EV3Lessons.com, Last edit 7/06/2016</a:t>
+            </a:r>
           </a:p>
         </p:txBody>
       </p:sp>
@@ -5467,7 +5517,7 @@
           <p:nvPr/>
         </p:nvPicPr>
         <p:blipFill>
-          <a:blip r:embed="rId2">
+          <a:blip r:embed="rId2" cstate="email">
             <a:extLst>
               <a:ext uri="{28A0092B-C50C-407E-A947-70E740481C1C}">
                 <a14:useLocalDpi xmlns:a14="http://schemas.microsoft.com/office/drawing/2010/main" val="0"/>
@@ -5515,7 +5565,7 @@
               <a:buChar char="•"/>
             </a:pPr>
             <a:r>
-              <a:rPr lang="en-US" dirty="0" smtClean="0"/>
+              <a:rPr lang="en-US" dirty="0"/>
               <a:t>Note that the data coming out of the loop through the wire will only be the last pass through the loop.</a:t>
             </a:r>
           </a:p>
@@ -5525,10 +5575,9 @@
               <a:buChar char="•"/>
             </a:pPr>
             <a:r>
-              <a:rPr lang="en-US" dirty="0" smtClean="0"/>
+              <a:rPr lang="en-US" dirty="0"/>
               <a:t>In the example above, the color sensor is read twice in the loop. However, the data wire will only have the second (and last) reading and that second reading will be displayed.</a:t>
             </a:r>
-            <a:endParaRPr lang="en-US" dirty="0"/>
           </a:p>
         </p:txBody>
       </p:sp>
@@ -5555,10 +5604,9 @@
           <a:lstStyle/>
           <a:p>
             <a:r>
-              <a:rPr lang="en-US" sz="1400" smtClean="0"/>
+              <a:rPr lang="en-US" sz="1400"/>
               <a:t>Going into the loop</a:t>
             </a:r>
-            <a:endParaRPr lang="en-US" sz="1400"/>
           </a:p>
         </p:txBody>
       </p:sp>
@@ -5585,10 +5633,9 @@
           <a:lstStyle/>
           <a:p>
             <a:r>
-              <a:rPr lang="en-US" sz="1400" dirty="0" smtClean="0"/>
+              <a:rPr lang="en-US" sz="1400" dirty="0"/>
               <a:t>Going out the loop</a:t>
             </a:r>
-            <a:endParaRPr lang="en-US" sz="1400" dirty="0"/>
           </a:p>
         </p:txBody>
       </p:sp>
@@ -5638,7 +5685,7 @@
           <a:lstStyle/>
           <a:p>
             <a:r>
-              <a:rPr lang="en-US" smtClean="0"/>
+              <a:rPr lang="en-US"/>
               <a:t>Credits</a:t>
             </a:r>
             <a:endParaRPr lang="en-US" dirty="0"/>
@@ -5662,41 +5709,55 @@
           <a:p>
             <a:pPr lvl="1"/>
             <a:r>
-              <a:rPr lang="en-US" dirty="0" smtClean="0"/>
-              <a:t>This tutorial was written by Sanjay and Arvind </a:t>
-            </a:r>
-            <a:r>
-              <a:rPr lang="en-US" dirty="0" err="1" smtClean="0"/>
-              <a:t>Seshan</a:t>
-            </a:r>
-            <a:r>
-              <a:rPr lang="en-US" dirty="0" smtClean="0"/>
-              <a:t> from Droids Robotics.  To contact the authors, email </a:t>
-            </a:r>
-            <a:r>
-              <a:rPr lang="en-US" dirty="0" err="1" smtClean="0"/>
-              <a:t>team@droidsrobotics.org</a:t>
-            </a:r>
-            <a:endParaRPr lang="en-US" dirty="0" smtClean="0"/>
+              <a:rPr lang="en-US" dirty="0"/>
+              <a:t>This tutorial was written by Sanjay and </a:t>
+            </a:r>
+            <a:r>
+              <a:rPr lang="en-US"/>
+              <a:t>Arvind Seshan</a:t>
+            </a:r>
+            <a:endParaRPr lang="en-US" dirty="0"/>
           </a:p>
           <a:p>
             <a:pPr lvl="1"/>
             <a:r>
-              <a:rPr lang="en-US" dirty="0" smtClean="0"/>
+              <a:rPr lang="en-US" dirty="0"/>
               <a:t>More lessons at www.ev3lessons.com</a:t>
             </a:r>
+          </a:p>
+        </p:txBody>
+      </p:sp>
+      <p:sp>
+        <p:nvSpPr>
+          <p:cNvPr id="4" name="Footer Placeholder 3"/>
+          <p:cNvSpPr>
+            <a:spLocks noGrp="1"/>
+          </p:cNvSpPr>
+          <p:nvPr>
+            <p:ph type="ftr" sz="quarter" idx="11"/>
+          </p:nvPr>
+        </p:nvSpPr>
+        <p:spPr/>
+        <p:txBody>
+          <a:bodyPr/>
+          <a:lstStyle/>
+          <a:p>
+            <a:r>
+              <a:rPr lang="en-US"/>
+              <a:t>Copytight © 2015 EV3Lessons.com, Last edit 7/06/2016</a:t>
+            </a:r>
             <a:endParaRPr lang="en-US" dirty="0"/>
           </a:p>
         </p:txBody>
       </p:sp>
       <p:sp>
         <p:nvSpPr>
-          <p:cNvPr id="4" name="Footer Placeholder 3"/>
-          <p:cNvSpPr>
-            <a:spLocks noGrp="1"/>
-          </p:cNvSpPr>
-          <p:nvPr>
-            <p:ph type="ftr" sz="quarter" idx="11"/>
+          <p:cNvPr id="7" name="Slide Number Placeholder 6"/>
+          <p:cNvSpPr>
+            <a:spLocks noGrp="1"/>
+          </p:cNvSpPr>
+          <p:nvPr>
+            <p:ph type="sldNum" sz="quarter" idx="12"/>
           </p:nvPr>
         </p:nvSpPr>
         <p:spPr/>
@@ -5705,30 +5766,7 @@
           <a:lstStyle/>
           <a:p>
             <a:r>
-              <a:rPr lang="sk-SK" smtClean="0"/>
-              <a:t>© 2015 EV3Lessons.com, Last edit 11/13/2015</a:t>
-            </a:r>
-            <a:endParaRPr lang="en-US" dirty="0"/>
-          </a:p>
-        </p:txBody>
-      </p:sp>
-      <p:sp>
-        <p:nvSpPr>
-          <p:cNvPr id="7" name="Slide Number Placeholder 6"/>
-          <p:cNvSpPr>
-            <a:spLocks noGrp="1"/>
-          </p:cNvSpPr>
-          <p:nvPr>
-            <p:ph type="sldNum" sz="quarter" idx="12"/>
-          </p:nvPr>
-        </p:nvSpPr>
-        <p:spPr/>
-        <p:txBody>
-          <a:bodyPr/>
-          <a:lstStyle/>
-          <a:p>
-            <a:r>
-              <a:rPr lang="en-US" smtClean="0"/>
+              <a:rPr lang="en-US"/>
               <a:t>5</a:t>
             </a:r>
             <a:endParaRPr lang="en-US" dirty="0"/>
@@ -5933,7 +5971,7 @@
               <a:tabLst/>
             </a:pPr>
             <a:r>
-              <a:rPr kumimoji="0" lang="en-US" altLang="en-US" sz="2000" b="0" i="0" u="none" strike="noStrike" cap="none" normalizeH="0" baseline="0" dirty="0" smtClean="0">
+              <a:rPr kumimoji="0" lang="en-US" altLang="en-US" sz="2000" b="0" i="0" u="none" strike="noStrike" cap="none" normalizeH="0" baseline="0" dirty="0">
                 <a:ln>
                   <a:noFill/>
                 </a:ln>
@@ -5945,20 +5983,8 @@
               </a:rPr>
               <a:t>                         </a:t>
             </a:r>
-            <a:r>
-              <a:rPr kumimoji="0" lang="en-US" altLang="en-US" sz="1600" b="0" i="0" u="none" strike="noStrike" cap="none" normalizeH="0" baseline="0" dirty="0" smtClean="0">
-                <a:ln>
-                  <a:noFill/>
-                </a:ln>
-                <a:solidFill>
-                  <a:schemeClr val="tx1"/>
-                </a:solidFill>
-                <a:effectLst/>
-              </a:rPr>
-              <a:t/>
-            </a:r>
             <a:br>
-              <a:rPr kumimoji="0" lang="en-US" altLang="en-US" sz="1600" b="0" i="0" u="none" strike="noStrike" cap="none" normalizeH="0" baseline="0" dirty="0" smtClean="0">
+              <a:rPr kumimoji="0" lang="en-US" altLang="en-US" sz="1600" b="0" i="0" u="none" strike="noStrike" cap="none" normalizeH="0" baseline="0" dirty="0">
                 <a:ln>
                   <a:noFill/>
                 </a:ln>
@@ -5969,7 +5995,7 @@
               </a:rPr>
             </a:br>
             <a:r>
-              <a:rPr kumimoji="0" lang="en-US" altLang="en-US" sz="2000" b="0" i="0" u="none" strike="noStrike" cap="none" normalizeH="0" baseline="0" dirty="0" smtClean="0">
+              <a:rPr kumimoji="0" lang="en-US" altLang="en-US" sz="2000" b="0" i="0" u="none" strike="noStrike" cap="none" normalizeH="0" baseline="0" dirty="0">
                 <a:ln>
                   <a:noFill/>
                 </a:ln>
@@ -5982,7 +6008,7 @@
               <a:t>This work is licensed under a </a:t>
             </a:r>
             <a:r>
-              <a:rPr kumimoji="0" lang="en-US" altLang="en-US" sz="2000" b="0" i="0" u="none" strike="noStrike" cap="none" normalizeH="0" baseline="0" dirty="0" smtClean="0">
+              <a:rPr kumimoji="0" lang="en-US" altLang="en-US" sz="2000" b="0" i="0" u="none" strike="noStrike" cap="none" normalizeH="0" baseline="0" dirty="0">
                 <a:ln>
                   <a:noFill/>
                 </a:ln>
@@ -5996,7 +6022,7 @@
               <a:t>Creative Commons Attribution-</a:t>
             </a:r>
             <a:r>
-              <a:rPr kumimoji="0" lang="en-US" altLang="en-US" sz="2000" b="0" i="0" u="none" strike="noStrike" cap="none" normalizeH="0" baseline="0" dirty="0" err="1" smtClean="0">
+              <a:rPr kumimoji="0" lang="en-US" altLang="en-US" sz="2000" b="0" i="0" u="none" strike="noStrike" cap="none" normalizeH="0" baseline="0" dirty="0" err="1">
                 <a:ln>
                   <a:noFill/>
                 </a:ln>
@@ -6010,7 +6036,7 @@
               <a:t>NonCommercial</a:t>
             </a:r>
             <a:r>
-              <a:rPr kumimoji="0" lang="en-US" altLang="en-US" sz="2000" b="0" i="0" u="none" strike="noStrike" cap="none" normalizeH="0" baseline="0" dirty="0" smtClean="0">
+              <a:rPr kumimoji="0" lang="en-US" altLang="en-US" sz="2000" b="0" i="0" u="none" strike="noStrike" cap="none" normalizeH="0" baseline="0" dirty="0">
                 <a:ln>
                   <a:noFill/>
                 </a:ln>
@@ -6024,7 +6050,7 @@
               <a:t>-</a:t>
             </a:r>
             <a:r>
-              <a:rPr kumimoji="0" lang="en-US" altLang="en-US" sz="2000" b="0" i="0" u="none" strike="noStrike" cap="none" normalizeH="0" baseline="0" dirty="0" err="1" smtClean="0">
+              <a:rPr kumimoji="0" lang="en-US" altLang="en-US" sz="2000" b="0" i="0" u="none" strike="noStrike" cap="none" normalizeH="0" baseline="0" dirty="0" err="1">
                 <a:ln>
                   <a:noFill/>
                 </a:ln>
@@ -6038,7 +6064,7 @@
               <a:t>ShareAlike</a:t>
             </a:r>
             <a:r>
-              <a:rPr kumimoji="0" lang="en-US" altLang="en-US" sz="2000" b="0" i="0" u="none" strike="noStrike" cap="none" normalizeH="0" baseline="0" dirty="0" smtClean="0">
+              <a:rPr kumimoji="0" lang="en-US" altLang="en-US" sz="2000" b="0" i="0" u="none" strike="noStrike" cap="none" normalizeH="0" baseline="0" dirty="0">
                 <a:ln>
                   <a:noFill/>
                 </a:ln>
@@ -6052,7 +6078,7 @@
               <a:t> 4.0 International License</a:t>
             </a:r>
             <a:r>
-              <a:rPr kumimoji="0" lang="en-US" altLang="en-US" sz="2000" b="0" i="0" u="none" strike="noStrike" cap="none" normalizeH="0" baseline="0" dirty="0" smtClean="0">
+              <a:rPr kumimoji="0" lang="en-US" altLang="en-US" sz="2000" b="0" i="0" u="none" strike="noStrike" cap="none" normalizeH="0" baseline="0" dirty="0">
                 <a:ln>
                   <a:noFill/>
                 </a:ln>
@@ -6065,7 +6091,7 @@
               <a:t>.</a:t>
             </a:r>
             <a:r>
-              <a:rPr kumimoji="0" lang="en-US" altLang="en-US" sz="1600" b="0" i="0" u="none" strike="noStrike" cap="none" normalizeH="0" baseline="0" dirty="0" smtClean="0">
+              <a:rPr kumimoji="0" lang="en-US" altLang="en-US" sz="1600" b="0" i="0" u="none" strike="noStrike" cap="none" normalizeH="0" baseline="0" dirty="0">
                 <a:ln>
                   <a:noFill/>
                 </a:ln>
@@ -6076,7 +6102,7 @@
               </a:rPr>
               <a:t> </a:t>
             </a:r>
-            <a:endParaRPr kumimoji="0" lang="en-US" altLang="en-US" sz="2000" b="0" i="0" u="none" strike="noStrike" cap="none" normalizeH="0" baseline="0" dirty="0" smtClean="0">
+            <a:endParaRPr kumimoji="0" lang="en-US" altLang="en-US" sz="2000" b="0" i="0" u="none" strike="noStrike" cap="none" normalizeH="0" baseline="0" dirty="0">
               <a:ln>
                 <a:noFill/>
               </a:ln>
@@ -6142,21 +6168,6 @@
   <p:clrMapOvr>
     <a:masterClrMapping/>
   </p:clrMapOvr>
-  <mc:AlternateContent xmlns:mc="http://schemas.openxmlformats.org/markup-compatibility/2006" xmlns:p14="http://schemas.microsoft.com/office/powerpoint/2010/main">
-    <mc:Choice Requires="p14">
-      <p:transition spd="slow" p14:dur="2000"/>
-    </mc:Choice>
-    <mc:Fallback xmlns="">
-      <p:transition spd="slow"/>
-    </mc:Fallback>
-  </mc:AlternateContent>
-  <p:timing>
-    <p:tnLst>
-      <p:par>
-        <p:cTn id="1" dur="indefinite" restart="never" nodeType="tmRoot"/>
-      </p:par>
-    </p:tnLst>
-  </p:timing>
 </p:sld>
 </file>
 
@@ -6193,10 +6204,9 @@
           <a:lstStyle/>
           <a:p>
             <a:r>
-              <a:rPr lang="en-US" dirty="0" smtClean="0"/>
+              <a:rPr lang="en-US" dirty="0"/>
               <a:t>Lesson Objectives</a:t>
             </a:r>
-            <a:endParaRPr lang="en-US" dirty="0"/>
           </a:p>
         </p:txBody>
       </p:sp>
@@ -6216,7 +6226,7 @@
           <a:lstStyle/>
           <a:p>
             <a:r>
-              <a:rPr lang="en-US" dirty="0" smtClean="0"/>
+              <a:rPr lang="en-US" dirty="0"/>
               <a:t>Learn what Data Wires are and how to use them</a:t>
             </a:r>
           </a:p>
@@ -6224,23 +6234,22 @@
             <a:pPr marL="0" indent="0">
               <a:buNone/>
             </a:pPr>
-            <a:endParaRPr lang="en-US" dirty="0" smtClean="0"/>
-          </a:p>
-          <a:p>
-            <a:endParaRPr lang="en-US" dirty="0" smtClean="0"/>
-          </a:p>
-          <a:p>
             <a:endParaRPr lang="en-US" dirty="0"/>
           </a:p>
           <a:p>
-            <a:endParaRPr lang="en-US" dirty="0" smtClean="0"/>
-          </a:p>
-          <a:p>
-            <a:r>
-              <a:rPr lang="en-US" dirty="0" smtClean="0"/>
+            <a:endParaRPr lang="en-US" dirty="0"/>
+          </a:p>
+          <a:p>
+            <a:endParaRPr lang="en-US" dirty="0"/>
+          </a:p>
+          <a:p>
+            <a:endParaRPr lang="en-US" dirty="0"/>
+          </a:p>
+          <a:p>
+            <a:r>
+              <a:rPr lang="en-US" dirty="0"/>
               <a:t>Prerequisites: Display Block, Sensor Block, Brick Buttons</a:t>
             </a:r>
-            <a:endParaRPr lang="en-US" dirty="0"/>
           </a:p>
         </p:txBody>
       </p:sp>
@@ -6260,8 +6269,8 @@
           <a:lstStyle/>
           <a:p>
             <a:r>
-              <a:rPr lang="sk-SK" smtClean="0"/>
-              <a:t>© 2015 EV3Lessons.com, Last edit 11/13/2015</a:t>
+              <a:rPr lang="en-US"/>
+              <a:t>Copytight © 2015 EV3Lessons.com, Last edit 7/06/2016</a:t>
             </a:r>
             <a:endParaRPr lang="en-US" dirty="0"/>
           </a:p>
@@ -6301,13 +6310,6 @@
   <p:clrMapOvr>
     <a:masterClrMapping/>
   </p:clrMapOvr>
-  <p:timing>
-    <p:tnLst>
-      <p:par>
-        <p:cTn id="1" dur="indefinite" restart="never" nodeType="tmRoot"/>
-      </p:par>
-    </p:tnLst>
-  </p:timing>
 </p:sld>
 </file>
 
@@ -6374,10 +6376,9 @@
           <a:lstStyle/>
           <a:p>
             <a:r>
-              <a:rPr lang="en-US" dirty="0" smtClean="0"/>
+              <a:rPr lang="en-US" dirty="0"/>
               <a:t>Data Wires</a:t>
             </a:r>
-            <a:endParaRPr lang="en-US" dirty="0"/>
           </a:p>
         </p:txBody>
       </p:sp>
@@ -6398,13 +6399,8 @@
           <a:p>
             <a:r>
               <a:rPr lang="en-US" dirty="0"/>
-              <a:t>A Data Wire </a:t>
-            </a:r>
-            <a:r>
-              <a:rPr lang="en-US" dirty="0" smtClean="0"/>
-              <a:t>allows you to take an output from one programming block and input it into another.</a:t>
-            </a:r>
-            <a:endParaRPr lang="en-US" dirty="0"/>
+              <a:t>A Data Wire allows you to take an output from one programming block and input it into another.</a:t>
+            </a:r>
           </a:p>
         </p:txBody>
       </p:sp>
@@ -6424,10 +6420,9 @@
           <a:lstStyle/>
           <a:p>
             <a:r>
-              <a:rPr lang="sk-SK" smtClean="0"/>
-              <a:t>© 2015 EV3Lessons.com, Last edit 11/13/2015</a:t>
-            </a:r>
-            <a:endParaRPr lang="en-US"/>
+              <a:rPr lang="en-US"/>
+              <a:t>Copytight © 2015 EV3Lessons.com, Last edit 7/06/2016</a:t>
+            </a:r>
           </a:p>
         </p:txBody>
       </p:sp>
@@ -6478,7 +6473,7 @@
           <a:lstStyle/>
           <a:p>
             <a:r>
-              <a:rPr lang="en-US" smtClean="0"/>
+              <a:rPr lang="en-US"/>
               <a:t>Input</a:t>
             </a:r>
             <a:endParaRPr lang="en-US" dirty="0"/>
@@ -6508,10 +6503,9 @@
           <a:lstStyle/>
           <a:p>
             <a:r>
-              <a:rPr lang="en-US" dirty="0" smtClean="0"/>
+              <a:rPr lang="en-US" dirty="0"/>
               <a:t>Output</a:t>
             </a:r>
-            <a:endParaRPr lang="en-US" dirty="0"/>
           </a:p>
         </p:txBody>
       </p:sp>
@@ -6621,10 +6615,9 @@
           <a:lstStyle/>
           <a:p>
             <a:r>
-              <a:rPr lang="en-US" dirty="0" smtClean="0"/>
+              <a:rPr lang="en-US" dirty="0"/>
               <a:t>Data Wire Types</a:t>
             </a:r>
-            <a:endParaRPr lang="en-US" dirty="0"/>
           </a:p>
         </p:txBody>
       </p:sp>
@@ -6649,10 +6642,9 @@
           <a:lstStyle/>
           <a:p>
             <a:r>
-              <a:rPr lang="sk-SK" smtClean="0"/>
-              <a:t>© 2015 EV3Lessons.com, Last edit 11/13/2015</a:t>
-            </a:r>
-            <a:endParaRPr lang="en-US"/>
+              <a:rPr lang="en-US"/>
+              <a:t>Copytight © 2015 EV3Lessons.com, Last edit 7/06/2016</a:t>
+            </a:r>
           </a:p>
         </p:txBody>
       </p:sp>
@@ -6704,10 +6696,34 @@
                 <a:tableStyleId>{72833802-FEF1-4C79-8D5D-14CF1EAF98D9}</a:tableStyleId>
               </a:tblPr>
               <a:tblGrid>
-                <a:gridCol w="1468056"/>
-                <a:gridCol w="1029112"/>
-                <a:gridCol w="1817944"/>
-                <a:gridCol w="2757489"/>
+                <a:gridCol w="1468056">
+                  <a:extLst>
+                    <a:ext uri="{9D8B030D-6E8A-4147-A177-3AD203B41FA5}">
+                      <a16:colId xmlns:a16="http://schemas.microsoft.com/office/drawing/2014/main" val="20000"/>
+                    </a:ext>
+                  </a:extLst>
+                </a:gridCol>
+                <a:gridCol w="1029112">
+                  <a:extLst>
+                    <a:ext uri="{9D8B030D-6E8A-4147-A177-3AD203B41FA5}">
+                      <a16:colId xmlns:a16="http://schemas.microsoft.com/office/drawing/2014/main" val="20001"/>
+                    </a:ext>
+                  </a:extLst>
+                </a:gridCol>
+                <a:gridCol w="1817944">
+                  <a:extLst>
+                    <a:ext uri="{9D8B030D-6E8A-4147-A177-3AD203B41FA5}">
+                      <a16:colId xmlns:a16="http://schemas.microsoft.com/office/drawing/2014/main" val="20002"/>
+                    </a:ext>
+                  </a:extLst>
+                </a:gridCol>
+                <a:gridCol w="2757489">
+                  <a:extLst>
+                    <a:ext uri="{9D8B030D-6E8A-4147-A177-3AD203B41FA5}">
+                      <a16:colId xmlns:a16="http://schemas.microsoft.com/office/drawing/2014/main" val="20003"/>
+                    </a:ext>
+                  </a:extLst>
+                </a:gridCol>
               </a:tblGrid>
               <a:tr h="359170">
                 <a:tc>
@@ -6717,10 +6733,9 @@
                     <a:p>
                       <a:pPr algn="ctr"/>
                       <a:r>
-                        <a:rPr lang="en-US" dirty="0" smtClean="0"/>
+                        <a:rPr lang="en-US" dirty="0"/>
                         <a:t>Data Type</a:t>
                       </a:r>
-                      <a:endParaRPr lang="en-US" dirty="0"/>
                     </a:p>
                   </a:txBody>
                   <a:tcPr/>
@@ -6732,10 +6747,9 @@
                     <a:p>
                       <a:pPr algn="ctr"/>
                       <a:r>
-                        <a:rPr lang="en-US" dirty="0" smtClean="0"/>
+                        <a:rPr lang="en-US" dirty="0"/>
                         <a:t>Input</a:t>
                       </a:r>
-                      <a:endParaRPr lang="en-US" dirty="0"/>
                     </a:p>
                   </a:txBody>
                   <a:tcPr/>
@@ -6747,10 +6761,9 @@
                     <a:p>
                       <a:pPr algn="ctr"/>
                       <a:r>
-                        <a:rPr lang="en-US" dirty="0" smtClean="0"/>
+                        <a:rPr lang="en-US" dirty="0"/>
                         <a:t>Output</a:t>
                       </a:r>
-                      <a:endParaRPr lang="en-US" dirty="0"/>
                     </a:p>
                   </a:txBody>
                   <a:tcPr/>
@@ -6762,11 +6775,11 @@
                     <a:p>
                       <a:pPr algn="ctr"/>
                       <a:r>
-                        <a:rPr lang="en-US" dirty="0" smtClean="0"/>
+                        <a:rPr lang="en-US" dirty="0"/>
                         <a:t>Output</a:t>
                       </a:r>
                       <a:r>
-                        <a:rPr lang="en-US" baseline="0" dirty="0" smtClean="0"/>
+                        <a:rPr lang="en-US" baseline="0" dirty="0"/>
                         <a:t> Data Wire</a:t>
                       </a:r>
                       <a:endParaRPr lang="en-US" dirty="0"/>
@@ -6774,6 +6787,11 @@
                   </a:txBody>
                   <a:tcPr/>
                 </a:tc>
+                <a:extLst>
+                  <a:ext uri="{0D108BD9-81ED-4DB2-BD59-A6C34878D82A}">
+                    <a16:rowId xmlns:a16="http://schemas.microsoft.com/office/drawing/2014/main" val="10000"/>
+                  </a:ext>
+                </a:extLst>
               </a:tr>
               <a:tr h="642334">
                 <a:tc>
@@ -6782,10 +6800,9 @@
                     <a:lstStyle/>
                     <a:p>
                       <a:r>
-                        <a:rPr lang="en-US" dirty="0" smtClean="0"/>
+                        <a:rPr lang="en-US" dirty="0"/>
                         <a:t>Logic</a:t>
                       </a:r>
-                      <a:endParaRPr lang="en-US" dirty="0"/>
                     </a:p>
                   </a:txBody>
                   <a:tcPr/>
@@ -6806,10 +6823,9 @@
                     <a:lstStyle/>
                     <a:p>
                       <a:r>
-                        <a:rPr lang="en-US" dirty="0" smtClean="0"/>
+                        <a:rPr lang="en-US" dirty="0"/>
                         <a:t>True or False</a:t>
                       </a:r>
-                      <a:endParaRPr lang="en-US" dirty="0"/>
                     </a:p>
                   </a:txBody>
                   <a:tcPr/>
@@ -6824,6 +6840,11 @@
                   </a:txBody>
                   <a:tcPr/>
                 </a:tc>
+                <a:extLst>
+                  <a:ext uri="{0D108BD9-81ED-4DB2-BD59-A6C34878D82A}">
+                    <a16:rowId xmlns:a16="http://schemas.microsoft.com/office/drawing/2014/main" val="10001"/>
+                  </a:ext>
+                </a:extLst>
               </a:tr>
               <a:tr h="657540">
                 <a:tc>
@@ -6832,10 +6853,9 @@
                     <a:lstStyle/>
                     <a:p>
                       <a:r>
-                        <a:rPr lang="en-US" dirty="0" smtClean="0"/>
+                        <a:rPr lang="en-US" dirty="0"/>
                         <a:t>Numeric</a:t>
                       </a:r>
-                      <a:endParaRPr lang="en-US" dirty="0"/>
                     </a:p>
                   </a:txBody>
                   <a:tcPr/>
@@ -6856,10 +6876,9 @@
                     <a:lstStyle/>
                     <a:p>
                       <a:r>
-                        <a:rPr lang="en-US" dirty="0" smtClean="0"/>
+                        <a:rPr lang="en-US" dirty="0"/>
                         <a:t>Number</a:t>
                       </a:r>
-                      <a:endParaRPr lang="en-US" dirty="0"/>
                     </a:p>
                   </a:txBody>
                   <a:tcPr/>
@@ -6874,6 +6893,11 @@
                   </a:txBody>
                   <a:tcPr/>
                 </a:tc>
+                <a:extLst>
+                  <a:ext uri="{0D108BD9-81ED-4DB2-BD59-A6C34878D82A}">
+                    <a16:rowId xmlns:a16="http://schemas.microsoft.com/office/drawing/2014/main" val="10002"/>
+                  </a:ext>
+                </a:extLst>
               </a:tr>
               <a:tr h="827303">
                 <a:tc>
@@ -6882,10 +6906,9 @@
                     <a:lstStyle/>
                     <a:p>
                       <a:r>
-                        <a:rPr lang="en-US" dirty="0" smtClean="0"/>
+                        <a:rPr lang="en-US" dirty="0"/>
                         <a:t>Text</a:t>
                       </a:r>
-                      <a:endParaRPr lang="en-US" dirty="0"/>
                     </a:p>
                   </a:txBody>
                   <a:tcPr/>
@@ -6906,10 +6929,9 @@
                     <a:lstStyle/>
                     <a:p>
                       <a:r>
-                        <a:rPr lang="en-US" dirty="0" smtClean="0"/>
+                        <a:rPr lang="en-US" dirty="0"/>
                         <a:t>Text</a:t>
                       </a:r>
-                      <a:endParaRPr lang="en-US" dirty="0"/>
                     </a:p>
                   </a:txBody>
                   <a:tcPr/>
@@ -6924,6 +6946,11 @@
                   </a:txBody>
                   <a:tcPr/>
                 </a:tc>
+                <a:extLst>
+                  <a:ext uri="{0D108BD9-81ED-4DB2-BD59-A6C34878D82A}">
+                    <a16:rowId xmlns:a16="http://schemas.microsoft.com/office/drawing/2014/main" val="10003"/>
+                  </a:ext>
+                </a:extLst>
               </a:tr>
               <a:tr h="895205">
                 <a:tc>
@@ -6932,11 +6959,11 @@
                     <a:lstStyle/>
                     <a:p>
                       <a:r>
-                        <a:rPr lang="en-US" dirty="0" smtClean="0"/>
+                        <a:rPr lang="en-US" dirty="0"/>
                         <a:t>Numeric</a:t>
                       </a:r>
                       <a:r>
-                        <a:rPr lang="en-US" baseline="0" dirty="0" smtClean="0"/>
+                        <a:rPr lang="en-US" baseline="0" dirty="0"/>
                         <a:t> Array</a:t>
                       </a:r>
                       <a:endParaRPr lang="en-US" dirty="0"/>
@@ -6974,6 +7001,11 @@
                   </a:txBody>
                   <a:tcPr/>
                 </a:tc>
+                <a:extLst>
+                  <a:ext uri="{0D108BD9-81ED-4DB2-BD59-A6C34878D82A}">
+                    <a16:rowId xmlns:a16="http://schemas.microsoft.com/office/drawing/2014/main" val="10004"/>
+                  </a:ext>
+                </a:extLst>
               </a:tr>
               <a:tr h="895205">
                 <a:tc>
@@ -6982,10 +7014,9 @@
                     <a:lstStyle/>
                     <a:p>
                       <a:r>
-                        <a:rPr lang="en-US" dirty="0" smtClean="0"/>
+                        <a:rPr lang="en-US" dirty="0"/>
                         <a:t>Logic Array</a:t>
                       </a:r>
-                      <a:endParaRPr lang="en-US" dirty="0"/>
                     </a:p>
                   </a:txBody>
                   <a:tcPr/>
@@ -7026,6 +7057,11 @@
                   </a:txBody>
                   <a:tcPr/>
                 </a:tc>
+                <a:extLst>
+                  <a:ext uri="{0D108BD9-81ED-4DB2-BD59-A6C34878D82A}">
+                    <a16:rowId xmlns:a16="http://schemas.microsoft.com/office/drawing/2014/main" val="10005"/>
+                  </a:ext>
+                </a:extLst>
               </a:tr>
             </a:tbl>
           </a:graphicData>
@@ -7414,10 +7450,9 @@
           <a:lstStyle/>
           <a:p>
             <a:r>
-              <a:rPr lang="en-US" smtClean="0"/>
+              <a:rPr lang="en-US"/>
               <a:t>Images from EV3 Help</a:t>
             </a:r>
-            <a:endParaRPr lang="en-US"/>
           </a:p>
         </p:txBody>
       </p:sp>
@@ -7467,10 +7502,9 @@
           <a:lstStyle/>
           <a:p>
             <a:r>
-              <a:rPr lang="en-US" dirty="0" smtClean="0"/>
+              <a:rPr lang="en-US" dirty="0"/>
               <a:t>Automatic Data Wire Conversions</a:t>
             </a:r>
-            <a:endParaRPr lang="en-US" dirty="0"/>
           </a:p>
         </p:txBody>
       </p:sp>
@@ -7490,10 +7524,9 @@
           <a:lstStyle/>
           <a:p>
             <a:r>
-              <a:rPr lang="sk-SK" smtClean="0"/>
-              <a:t>© 2015 EV3Lessons.com, Last edit 11/13/2015</a:t>
-            </a:r>
-            <a:endParaRPr lang="en-US"/>
+              <a:rPr lang="en-US"/>
+              <a:t>Copytight © 2015 EV3Lessons.com, Last edit 7/06/2016</a:t>
+            </a:r>
           </a:p>
         </p:txBody>
       </p:sp>
@@ -7539,9 +7572,27 @@
                 <a:tableStyleId>{5C22544A-7EE6-4342-B048-85BDC9FD1C3A}</a:tableStyleId>
               </a:tblPr>
               <a:tblGrid>
-                <a:gridCol w="1730999"/>
-                <a:gridCol w="1903226"/>
-                <a:gridCol w="4813942"/>
+                <a:gridCol w="1730999">
+                  <a:extLst>
+                    <a:ext uri="{9D8B030D-6E8A-4147-A177-3AD203B41FA5}">
+                      <a16:colId xmlns:a16="http://schemas.microsoft.com/office/drawing/2014/main" val="20000"/>
+                    </a:ext>
+                  </a:extLst>
+                </a:gridCol>
+                <a:gridCol w="1903226">
+                  <a:extLst>
+                    <a:ext uri="{9D8B030D-6E8A-4147-A177-3AD203B41FA5}">
+                      <a16:colId xmlns:a16="http://schemas.microsoft.com/office/drawing/2014/main" val="20001"/>
+                    </a:ext>
+                  </a:extLst>
+                </a:gridCol>
+                <a:gridCol w="4813942">
+                  <a:extLst>
+                    <a:ext uri="{9D8B030D-6E8A-4147-A177-3AD203B41FA5}">
+                      <a16:colId xmlns:a16="http://schemas.microsoft.com/office/drawing/2014/main" val="20002"/>
+                    </a:ext>
+                  </a:extLst>
+                </a:gridCol>
               </a:tblGrid>
               <a:tr h="370840">
                 <a:tc>
@@ -7551,10 +7602,9 @@
                     <a:p>
                       <a:pPr algn="ctr"/>
                       <a:r>
-                        <a:rPr lang="en-US" dirty="0" smtClean="0"/>
+                        <a:rPr lang="en-US" dirty="0"/>
                         <a:t>From Data Type</a:t>
                       </a:r>
-                      <a:endParaRPr lang="en-US" dirty="0"/>
                     </a:p>
                   </a:txBody>
                   <a:tcPr/>
@@ -7566,10 +7616,9 @@
                     <a:p>
                       <a:pPr algn="ctr"/>
                       <a:r>
-                        <a:rPr lang="en-US" dirty="0" smtClean="0"/>
+                        <a:rPr lang="en-US" dirty="0"/>
                         <a:t>To Data Type</a:t>
                       </a:r>
-                      <a:endParaRPr lang="en-US" dirty="0"/>
                     </a:p>
                   </a:txBody>
                   <a:tcPr/>
@@ -7581,14 +7630,18 @@
                     <a:p>
                       <a:pPr algn="ctr"/>
                       <a:r>
-                        <a:rPr lang="en-US" dirty="0" smtClean="0"/>
+                        <a:rPr lang="en-US" dirty="0"/>
                         <a:t>Output/Result</a:t>
                       </a:r>
-                      <a:endParaRPr lang="en-US" dirty="0"/>
                     </a:p>
                   </a:txBody>
                   <a:tcPr/>
                 </a:tc>
+                <a:extLst>
+                  <a:ext uri="{0D108BD9-81ED-4DB2-BD59-A6C34878D82A}">
+                    <a16:rowId xmlns:a16="http://schemas.microsoft.com/office/drawing/2014/main" val="10000"/>
+                  </a:ext>
+                </a:extLst>
               </a:tr>
               <a:tr h="370840">
                 <a:tc>
@@ -7597,10 +7650,9 @@
                     <a:lstStyle/>
                     <a:p>
                       <a:r>
-                        <a:rPr lang="en-US" dirty="0" smtClean="0"/>
+                        <a:rPr lang="en-US" dirty="0"/>
                         <a:t>Logic</a:t>
                       </a:r>
-                      <a:endParaRPr lang="en-US" dirty="0"/>
                     </a:p>
                   </a:txBody>
                   <a:tcPr/>
@@ -7611,10 +7663,9 @@
                     <a:lstStyle/>
                     <a:p>
                       <a:r>
-                        <a:rPr lang="en-US" dirty="0" smtClean="0"/>
+                        <a:rPr lang="en-US" dirty="0"/>
                         <a:t>Numeric</a:t>
                       </a:r>
-                      <a:endParaRPr lang="en-US" dirty="0"/>
                     </a:p>
                   </a:txBody>
                   <a:tcPr/>
@@ -7625,14 +7676,18 @@
                     <a:lstStyle/>
                     <a:p>
                       <a:r>
-                        <a:rPr lang="en-US" dirty="0" smtClean="0"/>
+                        <a:rPr lang="en-US" dirty="0"/>
                         <a:t>False = 0, True = 1</a:t>
                       </a:r>
-                      <a:endParaRPr lang="en-US" dirty="0"/>
                     </a:p>
                   </a:txBody>
                   <a:tcPr/>
                 </a:tc>
+                <a:extLst>
+                  <a:ext uri="{0D108BD9-81ED-4DB2-BD59-A6C34878D82A}">
+                    <a16:rowId xmlns:a16="http://schemas.microsoft.com/office/drawing/2014/main" val="10001"/>
+                  </a:ext>
+                </a:extLst>
               </a:tr>
               <a:tr h="370840">
                 <a:tc>
@@ -7641,10 +7696,9 @@
                     <a:lstStyle/>
                     <a:p>
                       <a:r>
-                        <a:rPr lang="en-US" dirty="0" smtClean="0"/>
+                        <a:rPr lang="en-US" dirty="0"/>
                         <a:t>Logic</a:t>
                       </a:r>
-                      <a:endParaRPr lang="en-US" dirty="0"/>
                     </a:p>
                   </a:txBody>
                   <a:tcPr/>
@@ -7655,10 +7709,9 @@
                     <a:lstStyle/>
                     <a:p>
                       <a:r>
-                        <a:rPr lang="en-US" dirty="0" smtClean="0"/>
+                        <a:rPr lang="en-US" dirty="0"/>
                         <a:t>Text</a:t>
                       </a:r>
-                      <a:endParaRPr lang="en-US" dirty="0"/>
                     </a:p>
                   </a:txBody>
                   <a:tcPr/>
@@ -7669,11 +7722,11 @@
                     <a:lstStyle/>
                     <a:p>
                       <a:r>
-                        <a:rPr lang="en-US" dirty="0" smtClean="0"/>
+                        <a:rPr lang="en-US" dirty="0"/>
                         <a:t>False =</a:t>
                       </a:r>
                       <a:r>
-                        <a:rPr lang="en-US" baseline="0" dirty="0" smtClean="0"/>
+                        <a:rPr lang="en-US" baseline="0" dirty="0"/>
                         <a:t> “0”, True = “1”</a:t>
                       </a:r>
                       <a:endParaRPr lang="en-US" dirty="0"/>
@@ -7681,6 +7734,11 @@
                   </a:txBody>
                   <a:tcPr/>
                 </a:tc>
+                <a:extLst>
+                  <a:ext uri="{0D108BD9-81ED-4DB2-BD59-A6C34878D82A}">
+                    <a16:rowId xmlns:a16="http://schemas.microsoft.com/office/drawing/2014/main" val="10002"/>
+                  </a:ext>
+                </a:extLst>
               </a:tr>
               <a:tr h="370840">
                 <a:tc>
@@ -7689,10 +7747,9 @@
                     <a:lstStyle/>
                     <a:p>
                       <a:r>
-                        <a:rPr lang="en-US" dirty="0" smtClean="0"/>
+                        <a:rPr lang="en-US" dirty="0"/>
                         <a:t>Logic</a:t>
                       </a:r>
-                      <a:endParaRPr lang="en-US" dirty="0"/>
                     </a:p>
                   </a:txBody>
                   <a:tcPr/>
@@ -7703,10 +7760,9 @@
                     <a:lstStyle/>
                     <a:p>
                       <a:r>
-                        <a:rPr lang="en-US" dirty="0" smtClean="0"/>
+                        <a:rPr lang="en-US" dirty="0"/>
                         <a:t>Logic Array</a:t>
                       </a:r>
-                      <a:endParaRPr lang="en-US" dirty="0"/>
                     </a:p>
                   </a:txBody>
                   <a:tcPr/>
@@ -7717,14 +7773,18 @@
                     <a:lstStyle/>
                     <a:p>
                       <a:r>
-                        <a:rPr lang="en-US" dirty="0" smtClean="0"/>
+                        <a:rPr lang="en-US" dirty="0"/>
                         <a:t>Array with one element</a:t>
                       </a:r>
-                      <a:endParaRPr lang="en-US" dirty="0"/>
                     </a:p>
                   </a:txBody>
                   <a:tcPr/>
                 </a:tc>
+                <a:extLst>
+                  <a:ext uri="{0D108BD9-81ED-4DB2-BD59-A6C34878D82A}">
+                    <a16:rowId xmlns:a16="http://schemas.microsoft.com/office/drawing/2014/main" val="10003"/>
+                  </a:ext>
+                </a:extLst>
               </a:tr>
               <a:tr h="370840">
                 <a:tc>
@@ -7733,10 +7793,9 @@
                     <a:lstStyle/>
                     <a:p>
                       <a:r>
-                        <a:rPr lang="en-US" dirty="0" smtClean="0"/>
+                        <a:rPr lang="en-US" dirty="0"/>
                         <a:t>Logic</a:t>
                       </a:r>
-                      <a:endParaRPr lang="en-US" dirty="0"/>
                     </a:p>
                   </a:txBody>
                   <a:tcPr/>
@@ -7747,10 +7806,9 @@
                     <a:lstStyle/>
                     <a:p>
                       <a:r>
-                        <a:rPr lang="en-US" dirty="0" smtClean="0"/>
+                        <a:rPr lang="en-US" dirty="0"/>
                         <a:t>Numeric Array</a:t>
                       </a:r>
-                      <a:endParaRPr lang="en-US" dirty="0"/>
                     </a:p>
                   </a:txBody>
                   <a:tcPr/>
@@ -7761,14 +7819,18 @@
                     <a:lstStyle/>
                     <a:p>
                       <a:r>
-                        <a:rPr lang="en-US" dirty="0" smtClean="0"/>
+                        <a:rPr lang="en-US" dirty="0"/>
                         <a:t>Array with one element (0 or 1)</a:t>
                       </a:r>
-                      <a:endParaRPr lang="en-US" dirty="0"/>
                     </a:p>
                   </a:txBody>
                   <a:tcPr/>
                 </a:tc>
+                <a:extLst>
+                  <a:ext uri="{0D108BD9-81ED-4DB2-BD59-A6C34878D82A}">
+                    <a16:rowId xmlns:a16="http://schemas.microsoft.com/office/drawing/2014/main" val="10004"/>
+                  </a:ext>
+                </a:extLst>
               </a:tr>
               <a:tr h="370840">
                 <a:tc>
@@ -7777,10 +7839,9 @@
                     <a:lstStyle/>
                     <a:p>
                       <a:r>
-                        <a:rPr lang="en-US" dirty="0" smtClean="0"/>
+                        <a:rPr lang="en-US" dirty="0"/>
                         <a:t>Numeric</a:t>
                       </a:r>
-                      <a:endParaRPr lang="en-US" dirty="0"/>
                     </a:p>
                   </a:txBody>
                   <a:tcPr/>
@@ -7791,10 +7852,9 @@
                     <a:lstStyle/>
                     <a:p>
                       <a:r>
-                        <a:rPr lang="en-US" dirty="0" smtClean="0"/>
+                        <a:rPr lang="en-US" dirty="0"/>
                         <a:t>Text</a:t>
                       </a:r>
-                      <a:endParaRPr lang="en-US" dirty="0"/>
                     </a:p>
                   </a:txBody>
                   <a:tcPr/>
@@ -7805,11 +7865,11 @@
                     <a:lstStyle/>
                     <a:p>
                       <a:r>
-                        <a:rPr lang="en-US" dirty="0" smtClean="0"/>
+                        <a:rPr lang="en-US" dirty="0"/>
                         <a:t>Text</a:t>
                       </a:r>
                       <a:r>
-                        <a:rPr lang="en-US" baseline="0" dirty="0" smtClean="0"/>
+                        <a:rPr lang="en-US" baseline="0" dirty="0"/>
                         <a:t> that represents a number </a:t>
                       </a:r>
                       <a:endParaRPr lang="en-US" dirty="0"/>
@@ -7817,6 +7877,11 @@
                   </a:txBody>
                   <a:tcPr/>
                 </a:tc>
+                <a:extLst>
+                  <a:ext uri="{0D108BD9-81ED-4DB2-BD59-A6C34878D82A}">
+                    <a16:rowId xmlns:a16="http://schemas.microsoft.com/office/drawing/2014/main" val="10005"/>
+                  </a:ext>
+                </a:extLst>
               </a:tr>
               <a:tr h="370840">
                 <a:tc>
@@ -7825,10 +7890,9 @@
                     <a:lstStyle/>
                     <a:p>
                       <a:r>
-                        <a:rPr lang="en-US" dirty="0" smtClean="0"/>
+                        <a:rPr lang="en-US" dirty="0"/>
                         <a:t>Numeric</a:t>
                       </a:r>
-                      <a:endParaRPr lang="en-US" dirty="0"/>
                     </a:p>
                   </a:txBody>
                   <a:tcPr/>
@@ -7839,10 +7903,9 @@
                     <a:lstStyle/>
                     <a:p>
                       <a:r>
-                        <a:rPr lang="en-US" dirty="0" smtClean="0"/>
+                        <a:rPr lang="en-US" dirty="0"/>
                         <a:t>Numeric Array</a:t>
                       </a:r>
-                      <a:endParaRPr lang="en-US" dirty="0"/>
                     </a:p>
                   </a:txBody>
                   <a:tcPr/>
@@ -7853,14 +7916,18 @@
                     <a:lstStyle/>
                     <a:p>
                       <a:r>
-                        <a:rPr lang="en-US" dirty="0" smtClean="0"/>
+                        <a:rPr lang="en-US" dirty="0"/>
                         <a:t>Array with one element</a:t>
                       </a:r>
-                      <a:endParaRPr lang="en-US" dirty="0"/>
                     </a:p>
                   </a:txBody>
                   <a:tcPr/>
                 </a:tc>
+                <a:extLst>
+                  <a:ext uri="{0D108BD9-81ED-4DB2-BD59-A6C34878D82A}">
+                    <a16:rowId xmlns:a16="http://schemas.microsoft.com/office/drawing/2014/main" val="10006"/>
+                  </a:ext>
+                </a:extLst>
               </a:tr>
               <a:tr h="370840">
                 <a:tc>
@@ -7869,11 +7936,11 @@
                     <a:lstStyle/>
                     <a:p>
                       <a:r>
-                        <a:rPr lang="en-US" dirty="0" smtClean="0"/>
+                        <a:rPr lang="en-US" dirty="0"/>
                         <a:t>Logi</a:t>
                       </a:r>
                       <a:r>
-                        <a:rPr lang="en-US" baseline="0" dirty="0" smtClean="0"/>
+                        <a:rPr lang="en-US" baseline="0" dirty="0"/>
                         <a:t>c Array</a:t>
                       </a:r>
                       <a:endParaRPr lang="en-US" dirty="0"/>
@@ -7887,11 +7954,11 @@
                     <a:lstStyle/>
                     <a:p>
                       <a:r>
-                        <a:rPr lang="en-US" dirty="0" smtClean="0"/>
+                        <a:rPr lang="en-US" dirty="0"/>
                         <a:t>Numeric</a:t>
                       </a:r>
                       <a:r>
-                        <a:rPr lang="en-US" baseline="0" dirty="0" smtClean="0"/>
+                        <a:rPr lang="en-US" baseline="0" dirty="0"/>
                         <a:t> Array</a:t>
                       </a:r>
                       <a:endParaRPr lang="en-US" dirty="0"/>
@@ -7905,11 +7972,11 @@
                     <a:lstStyle/>
                     <a:p>
                       <a:r>
-                        <a:rPr lang="en-US" dirty="0" smtClean="0"/>
+                        <a:rPr lang="en-US" dirty="0"/>
                         <a:t>Same</a:t>
                       </a:r>
                       <a:r>
-                        <a:rPr lang="en-US" baseline="0" dirty="0" smtClean="0"/>
+                        <a:rPr lang="en-US" baseline="0" dirty="0"/>
                         <a:t> size array with all elements equal to 0 or 1</a:t>
                       </a:r>
                       <a:endParaRPr lang="en-US" dirty="0"/>
@@ -7917,6 +7984,11 @@
                   </a:txBody>
                   <a:tcPr/>
                 </a:tc>
+                <a:extLst>
+                  <a:ext uri="{0D108BD9-81ED-4DB2-BD59-A6C34878D82A}">
+                    <a16:rowId xmlns:a16="http://schemas.microsoft.com/office/drawing/2014/main" val="10007"/>
+                  </a:ext>
+                </a:extLst>
               </a:tr>
             </a:tbl>
           </a:graphicData>
@@ -7945,10 +8017,9 @@
           <a:lstStyle/>
           <a:p>
             <a:r>
-              <a:rPr lang="en-US" dirty="0" smtClean="0"/>
+              <a:rPr lang="en-US" dirty="0"/>
               <a:t>Content from EV3 Help</a:t>
             </a:r>
-            <a:endParaRPr lang="en-US" dirty="0"/>
           </a:p>
         </p:txBody>
       </p:sp>
@@ -7975,10 +8046,9 @@
           <a:lstStyle/>
           <a:p>
             <a:r>
-              <a:rPr lang="en-US" dirty="0" smtClean="0"/>
+              <a:rPr lang="en-US" dirty="0"/>
               <a:t>These conversions are automatically performed in the programming blocks. For example, you are allowed to connect a numeric value (like what color a sensor sees) to a text value (on a display block).</a:t>
             </a:r>
-            <a:endParaRPr lang="en-US" dirty="0"/>
           </a:p>
         </p:txBody>
       </p:sp>
@@ -8028,10 +8098,9 @@
           <a:lstStyle/>
           <a:p>
             <a:r>
-              <a:rPr lang="en-US" dirty="0" smtClean="0"/>
+              <a:rPr lang="en-US" dirty="0"/>
               <a:t>How to Create a Data Wire</a:t>
             </a:r>
-            <a:endParaRPr lang="en-US" dirty="0"/>
           </a:p>
         </p:txBody>
       </p:sp>
@@ -8056,30 +8125,22 @@
           <a:lstStyle/>
           <a:p>
             <a:r>
-              <a:rPr lang="en-US" dirty="0" smtClean="0"/>
+              <a:rPr lang="en-US" dirty="0"/>
               <a:t>The block with the output must be placed before the block with the input</a:t>
             </a:r>
           </a:p>
           <a:p>
             <a:r>
-              <a:rPr lang="en-US" dirty="0" smtClean="0"/>
-              <a:t>The input and the output must be the same data type or </a:t>
-            </a:r>
-            <a:r>
-              <a:rPr lang="en-US" dirty="0" err="1" smtClean="0"/>
-              <a:t>onoe</a:t>
-            </a:r>
-            <a:r>
-              <a:rPr lang="en-US" dirty="0" smtClean="0"/>
-              <a:t> that can be automatically converted (see slides 4 and 5)</a:t>
-            </a:r>
-            <a:endParaRPr lang="en-US" dirty="0" smtClean="0">
+              <a:rPr lang="en-US" dirty="0"/>
+              <a:t>The input and the output must be the same data type or one that can be automatically converted (see slides 4 and 5)</a:t>
+            </a:r>
+            <a:endParaRPr lang="en-US" dirty="0">
               <a:sym typeface="Wingdings"/>
             </a:endParaRPr>
           </a:p>
           <a:p>
             <a:r>
-              <a:rPr lang="en-US" dirty="0" smtClean="0">
+              <a:rPr lang="en-US" dirty="0">
                 <a:sym typeface="Wingdings"/>
               </a:rPr>
               <a:t>1. Click on the output on the block</a:t>
@@ -8087,7 +8148,7 @@
           </a:p>
           <a:p>
             <a:r>
-              <a:rPr lang="en-US" dirty="0" smtClean="0">
+              <a:rPr lang="en-US" dirty="0">
                 <a:sym typeface="Wingdings"/>
               </a:rPr>
               <a:t>2. Hold and drag the wire.</a:t>
@@ -8095,7 +8156,7 @@
           </a:p>
           <a:p>
             <a:r>
-              <a:rPr lang="en-US" dirty="0" smtClean="0">
+              <a:rPr lang="en-US" dirty="0">
                 <a:sym typeface="Wingdings"/>
               </a:rPr>
               <a:t>3. Move the icon into the correct input and then let go of the mouse</a:t>
@@ -8119,10 +8180,9 @@
           <a:lstStyle/>
           <a:p>
             <a:r>
-              <a:rPr lang="sk-SK" smtClean="0"/>
-              <a:t>© 2015 EV3Lessons.com, Last edit 11/13/2015</a:t>
-            </a:r>
-            <a:endParaRPr lang="en-US"/>
+              <a:rPr lang="en-US"/>
+              <a:t>Copytight © 2015 EV3Lessons.com, Last edit 7/06/2016</a:t>
+            </a:r>
           </a:p>
         </p:txBody>
       </p:sp>
@@ -8244,10 +8304,9 @@
           <a:lstStyle/>
           <a:p>
             <a:r>
-              <a:rPr lang="en-US" smtClean="0"/>
+              <a:rPr lang="en-US"/>
               <a:t>1</a:t>
             </a:r>
-            <a:endParaRPr lang="en-US"/>
           </a:p>
         </p:txBody>
       </p:sp>
@@ -8303,10 +8362,9 @@
           <a:lstStyle/>
           <a:p>
             <a:r>
-              <a:rPr lang="en-US" dirty="0" smtClean="0"/>
+              <a:rPr lang="en-US" dirty="0"/>
               <a:t>3</a:t>
             </a:r>
-            <a:endParaRPr lang="en-US" dirty="0"/>
           </a:p>
         </p:txBody>
       </p:sp>
@@ -8333,10 +8391,9 @@
           <a:lstStyle/>
           <a:p>
             <a:r>
-              <a:rPr lang="en-US" smtClean="0"/>
+              <a:rPr lang="en-US"/>
               <a:t>Images from EV3 Help</a:t>
             </a:r>
-            <a:endParaRPr lang="en-US"/>
           </a:p>
         </p:txBody>
       </p:sp>
@@ -8448,10 +8505,9 @@
           <a:lstStyle/>
           <a:p>
             <a:r>
-              <a:rPr lang="en-US" sz="4400" dirty="0" smtClean="0"/>
+              <a:rPr lang="en-US" sz="4400" dirty="0"/>
               <a:t>Sidebar: Display Block - Wired Mode</a:t>
             </a:r>
-            <a:endParaRPr lang="en-US" sz="4400" dirty="0"/>
           </a:p>
         </p:txBody>
       </p:sp>
@@ -8476,7 +8532,7 @@
           <a:lstStyle/>
           <a:p>
             <a:r>
-              <a:rPr lang="en-US" dirty="0" smtClean="0"/>
+              <a:rPr lang="en-US" dirty="0"/>
               <a:t>The Display Block can be used in wired mode to display data from another block to the screen.</a:t>
             </a:r>
           </a:p>
@@ -8494,11 +8550,11 @@
             <a:endParaRPr lang="en-US" dirty="0"/>
           </a:p>
           <a:p>
-            <a:endParaRPr lang="en-US" dirty="0" smtClean="0"/>
-          </a:p>
-          <a:p>
-            <a:r>
-              <a:rPr lang="en-US" dirty="0" smtClean="0"/>
+            <a:endParaRPr lang="en-US" dirty="0"/>
+          </a:p>
+          <a:p>
+            <a:r>
+              <a:rPr lang="en-US" dirty="0"/>
               <a:t>To pick Wired Mode, click on the top right corner of the Display Block and pick wired</a:t>
             </a:r>
           </a:p>
@@ -8509,11 +8565,11 @@
             <a:pPr marL="0" indent="0">
               <a:buNone/>
             </a:pPr>
-            <a:endParaRPr lang="en-US" dirty="0" smtClean="0"/>
-          </a:p>
-          <a:p>
             <a:endParaRPr lang="en-US" dirty="0"/>
           </a:p>
+          <a:p>
+            <a:endParaRPr lang="en-US" dirty="0"/>
+          </a:p>
         </p:txBody>
       </p:sp>
       <p:sp>
@@ -8532,10 +8588,9 @@
           <a:lstStyle/>
           <a:p>
             <a:r>
-              <a:rPr lang="sk-SK" smtClean="0"/>
-              <a:t>© 2015 EV3Lessons.com, Last edit 11/13/2015</a:t>
-            </a:r>
-            <a:endParaRPr lang="en-US"/>
+              <a:rPr lang="en-US"/>
+              <a:t>Copytight © 2015 EV3Lessons.com, Last edit 7/06/2016</a:t>
+            </a:r>
           </a:p>
         </p:txBody>
       </p:sp>
@@ -8700,10 +8755,9 @@
           <a:lstStyle/>
           <a:p>
             <a:r>
-              <a:rPr lang="en-US" dirty="0" smtClean="0"/>
+              <a:rPr lang="en-US" dirty="0"/>
               <a:t>Data Wires Challenge</a:t>
             </a:r>
-            <a:endParaRPr lang="en-US" dirty="0"/>
           </a:p>
         </p:txBody>
       </p:sp>
@@ -8717,18 +8771,13 @@
             <p:ph idx="1"/>
           </p:nvPr>
         </p:nvSpPr>
-        <p:spPr>
-          <a:xfrm>
-            <a:off x="227874" y="1505616"/>
-            <a:ext cx="8596812" cy="4654528"/>
-          </a:xfrm>
-        </p:spPr>
+        <p:spPr/>
         <p:txBody>
           <a:bodyPr/>
           <a:lstStyle/>
           <a:p>
             <a:r>
-              <a:rPr lang="en-US" b="1" dirty="0" smtClean="0">
+              <a:rPr lang="en-US" b="1" dirty="0">
                 <a:solidFill>
                   <a:srgbClr val="FF0000"/>
                 </a:solidFill>
@@ -8736,44 +8785,44 @@
               <a:t>CHALLENGE: </a:t>
             </a:r>
             <a:r>
-              <a:rPr lang="en-US" dirty="0" smtClean="0"/>
+              <a:rPr lang="en-US" dirty="0"/>
               <a:t>Make your robot drive forward slowly over different colors.  Have the robot display the color the color sensor sees as it moves. Stop when you hit a button on the brick.</a:t>
             </a:r>
           </a:p>
           <a:p>
             <a:r>
-              <a:rPr lang="en-US" b="1" dirty="0" smtClean="0"/>
+              <a:rPr lang="en-US" b="1" dirty="0"/>
               <a:t>STEP 1: </a:t>
             </a:r>
             <a:r>
-              <a:rPr lang="en-US" dirty="0" smtClean="0"/>
+              <a:rPr lang="en-US" dirty="0"/>
               <a:t>Turn the motors on in a Steering Block and drive slowly forward</a:t>
             </a:r>
           </a:p>
           <a:p>
             <a:r>
-              <a:rPr lang="en-US" b="1" dirty="0" smtClean="0"/>
+              <a:rPr lang="en-US" b="1" dirty="0"/>
               <a:t>STEP 2: </a:t>
             </a:r>
           </a:p>
           <a:p>
             <a:pPr lvl="1"/>
             <a:r>
-              <a:rPr lang="en-US" dirty="0" smtClean="0"/>
+              <a:rPr lang="en-US" dirty="0"/>
               <a:t>Inside a Loop, add a Color Sensor block. </a:t>
             </a:r>
           </a:p>
           <a:p>
             <a:pPr lvl="1"/>
             <a:r>
-              <a:rPr lang="en-US" dirty="0" smtClean="0"/>
+              <a:rPr lang="en-US" dirty="0"/>
               <a:t>Add a Display Block in Wired, Text Grid Modes. </a:t>
             </a:r>
           </a:p>
           <a:p>
             <a:pPr lvl="1"/>
             <a:r>
-              <a:rPr lang="en-US" dirty="0" smtClean="0"/>
+              <a:rPr lang="en-US" dirty="0"/>
               <a:t>Wire the Sensor Block’s output into the Display Block’s </a:t>
             </a:r>
           </a:p>
@@ -8783,11 +8832,7 @@
             </a:pPr>
             <a:r>
               <a:rPr lang="en-US" dirty="0"/>
-              <a:t>	</a:t>
-            </a:r>
-            <a:r>
-              <a:rPr lang="en-US" dirty="0" smtClean="0"/>
-              <a:t>text input (first input)</a:t>
+              <a:t>	text input (first input)</a:t>
             </a:r>
           </a:p>
           <a:p>
@@ -8798,14 +8843,13 @@
           </a:p>
           <a:p>
             <a:r>
-              <a:rPr lang="en-US" b="1" dirty="0" smtClean="0"/>
+              <a:rPr lang="en-US" b="1" dirty="0"/>
               <a:t>STEP 3: </a:t>
             </a:r>
             <a:r>
-              <a:rPr lang="en-US" dirty="0" smtClean="0"/>
+              <a:rPr lang="en-US" dirty="0"/>
               <a:t>Exit the loop when a brick button is pressed</a:t>
             </a:r>
-            <a:endParaRPr lang="en-US" dirty="0"/>
           </a:p>
         </p:txBody>
       </p:sp>
@@ -8825,8 +8869,8 @@
           <a:lstStyle/>
           <a:p>
             <a:r>
-              <a:rPr lang="sk-SK" smtClean="0"/>
-              <a:t>© 2015 EV3Lessons.com, Last edit 11/13/2015</a:t>
+              <a:rPr lang="en-US"/>
+              <a:t>Copytight © 2015 EV3Lessons.com, Last edit 7/06/2016</a:t>
             </a:r>
             <a:endParaRPr lang="en-US" dirty="0"/>
           </a:p>
@@ -8865,7 +8909,7 @@
           <p:nvPr/>
         </p:nvPicPr>
         <p:blipFill rotWithShape="1">
-          <a:blip r:embed="rId2">
+          <a:blip r:embed="rId2" cstate="email">
             <a:extLst>
               <a:ext uri="{28A0092B-C50C-407E-A947-70E740481C1C}">
                 <a14:useLocalDpi xmlns:a14="http://schemas.microsoft.com/office/drawing/2010/main" val="0"/>
@@ -8894,7 +8938,7 @@
           <p:nvPr/>
         </p:nvPicPr>
         <p:blipFill>
-          <a:blip r:embed="rId3">
+          <a:blip r:embed="rId3" cstate="email">
             <a:extLst>
               <a:ext uri="{28A0092B-C50C-407E-A947-70E740481C1C}">
                 <a14:useLocalDpi xmlns:a14="http://schemas.microsoft.com/office/drawing/2010/main" val="0"/>
@@ -8961,10 +9005,9 @@
           <a:lstStyle/>
           <a:p>
             <a:r>
-              <a:rPr lang="en-US" dirty="0" smtClean="0"/>
+              <a:rPr lang="en-US" dirty="0"/>
               <a:t>Challenge Solution</a:t>
             </a:r>
-            <a:endParaRPr lang="en-US" dirty="0"/>
           </a:p>
         </p:txBody>
       </p:sp>
@@ -8984,10 +9027,9 @@
           <a:lstStyle/>
           <a:p>
             <a:r>
-              <a:rPr lang="sk-SK" smtClean="0"/>
-              <a:t>© 2015 EV3Lessons.com, Last edit 11/13/2015</a:t>
-            </a:r>
-            <a:endParaRPr lang="en-US"/>
+              <a:rPr lang="en-US"/>
+              <a:t>Copytight © 2015 EV3Lessons.com, Last edit 7/06/2016</a:t>
+            </a:r>
           </a:p>
         </p:txBody>
       </p:sp>
@@ -9058,7 +9100,7 @@
 </file>
 
 <file path=ppt/theme/theme1.xml><?xml version="1.0" encoding="utf-8"?>
-<a:theme xmlns:a="http://schemas.openxmlformats.org/drawingml/2006/main" name="Retrospect">
+<a:theme xmlns:a="http://schemas.openxmlformats.org/drawingml/2006/main" name="intermediatev2">
   <a:themeElements>
     <a:clrScheme name="Blue II">
       <a:dk1>
@@ -9334,7 +9376,7 @@
   <a:extraClrSchemeLst/>
   <a:extLst>
     <a:ext uri="{05A4C25C-085E-4340-85A3-A5531E510DB2}">
-      <thm15:themeFamily xmlns:thm15="http://schemas.microsoft.com/office/thememl/2012/main" name="Retrospect" id="{5F128B03-DCCA-4EEB-AB3B-CF2899314A46}" vid="{3F1AAB62-24C6-49D2-8E01-B56FAC9A3DCD}"/>
+      <thm15:themeFamily xmlns:thm15="http://schemas.microsoft.com/office/thememl/2012/main" name="intermediatev2" id="{63F5E447-E8B5-4335-8726-12777BA731C5}" vid="{7C754D33-5435-4000-AB94-F54A58B2A981}"/>
     </a:ext>
   </a:extLst>
 </a:theme>

--- a/translations/en-us/intermediate/DataWires.pptx
+++ b/translations/en-us/intermediate/DataWires.pptx
@@ -222,7 +222,7 @@
           <a:p>
             <a:fld id="{E354B44E-40A3-0E46-B16A-9BF1250A248B}" type="datetimeFigureOut">
               <a:rPr lang="en-US" smtClean="0"/>
-              <a:t>7/6/2016</a:t>
+              <a:t>7/19/16</a:t>
             </a:fld>
             <a:endParaRPr lang="en-US"/>
           </a:p>
@@ -388,7 +388,7 @@
           <a:p>
             <a:fld id="{C86AD16C-2DB4-6642-BAD4-9ED973A087A0}" type="datetimeFigureOut">
               <a:rPr lang="en-US" smtClean="0"/>
-              <a:t>7/6/2016</a:t>
+              <a:t>7/19/16</a:t>
             </a:fld>
             <a:endParaRPr lang="en-US"/>
           </a:p>
@@ -930,7 +930,7 @@
           <a:p>
             <a:fld id="{A3DE7EAD-7273-4299-8617-D779C1AF605D}" type="datetime1">
               <a:rPr lang="en-US" smtClean="0"/>
-              <a:t>7/6/2016</a:t>
+              <a:t>7/19/16</a:t>
             </a:fld>
             <a:endParaRPr lang="en-US"/>
           </a:p>
@@ -1375,7 +1375,7 @@
           <a:p>
             <a:fld id="{02443E30-CF98-40AB-85FC-7D6F46FB2295}" type="datetime1">
               <a:rPr lang="en-US" smtClean="0"/>
-              <a:t>7/6/2016</a:t>
+              <a:t>7/19/16</a:t>
             </a:fld>
             <a:endParaRPr lang="en-US"/>
           </a:p>
@@ -1634,7 +1634,7 @@
           <a:p>
             <a:fld id="{97E39118-C02E-478F-9D5D-73E5D065F218}" type="datetime1">
               <a:rPr lang="en-US" smtClean="0"/>
-              <a:t>7/6/2016</a:t>
+              <a:t>7/19/16</a:t>
             </a:fld>
             <a:endParaRPr lang="en-US"/>
           </a:p>
@@ -1807,7 +1807,7 @@
           <a:p>
             <a:fld id="{C2D3BA03-100A-42AF-9475-9776DE381481}" type="datetime1">
               <a:rPr lang="en-US" smtClean="0"/>
-              <a:t>7/6/2016</a:t>
+              <a:t>7/19/16</a:t>
             </a:fld>
             <a:endParaRPr lang="en-US"/>
           </a:p>
@@ -2153,7 +2153,7 @@
           <a:p>
             <a:fld id="{E537E3E7-D87D-43BD-9CC6-072E370A1959}" type="datetime1">
               <a:rPr lang="en-US" smtClean="0"/>
-              <a:t>7/6/2016</a:t>
+              <a:t>7/19/16</a:t>
             </a:fld>
             <a:endParaRPr lang="en-US"/>
           </a:p>
@@ -2431,7 +2431,7 @@
           <a:p>
             <a:fld id="{603B4C20-ED42-42FE-A4A0-B797DA2E0B60}" type="datetime1">
               <a:rPr lang="en-US" smtClean="0"/>
-              <a:t>7/6/2016</a:t>
+              <a:t>7/19/16</a:t>
             </a:fld>
             <a:endParaRPr lang="en-US"/>
           </a:p>
@@ -2814,7 +2814,7 @@
           <a:p>
             <a:fld id="{E85445E3-1207-4586-9B73-272AEFFFE157}" type="datetime1">
               <a:rPr lang="en-US" smtClean="0"/>
-              <a:t>7/6/2016</a:t>
+              <a:t>7/19/16</a:t>
             </a:fld>
             <a:endParaRPr lang="en-US"/>
           </a:p>
@@ -2935,7 +2935,7 @@
           <a:p>
             <a:fld id="{2E9984D3-3B6B-4944-9628-01AD656A06EC}" type="datetime1">
               <a:rPr lang="en-US" smtClean="0"/>
-              <a:t>7/6/2016</a:t>
+              <a:t>7/19/16</a:t>
             </a:fld>
             <a:endParaRPr lang="en-US"/>
           </a:p>
@@ -3109,7 +3109,7 @@
           <a:p>
             <a:fld id="{17E396C8-7A9E-4396-952A-D9B8CD8B20E5}" type="datetime1">
               <a:rPr lang="en-US" smtClean="0"/>
-              <a:t>7/6/2016</a:t>
+              <a:t>7/19/16</a:t>
             </a:fld>
             <a:endParaRPr lang="en-US"/>
           </a:p>
@@ -3466,7 +3466,7 @@
           <a:p>
             <a:fld id="{810AC78C-C58D-4293-8F48-B6FF939DD0A5}" type="datetime1">
               <a:rPr lang="en-US" smtClean="0"/>
-              <a:t>7/6/2016</a:t>
+              <a:t>7/19/16</a:t>
             </a:fld>
             <a:endParaRPr lang="en-US"/>
           </a:p>
@@ -3851,7 +3851,7 @@
           <a:p>
             <a:fld id="{8126FF01-442B-4E22-BB88-A6A75B3591A0}" type="datetime1">
               <a:rPr lang="en-US" smtClean="0"/>
-              <a:t>7/6/2016</a:t>
+              <a:t>7/19/16</a:t>
             </a:fld>
             <a:endParaRPr lang="en-US"/>
           </a:p>
@@ -4143,7 +4143,7 @@
           <a:p>
             <a:fld id="{4845D745-A5D0-46AA-AB5B-73F831CB1B75}" type="datetime1">
               <a:rPr lang="en-US" smtClean="0"/>
-              <a:t>7/6/2016</a:t>
+              <a:t>7/19/16</a:t>
             </a:fld>
             <a:endParaRPr lang="en-US" dirty="0"/>
           </a:p>
@@ -4796,6 +4796,35 @@
           </a:p>
         </p:txBody>
       </p:sp>
+      <p:pic>
+        <p:nvPicPr>
+          <p:cNvPr id="4" name="Picture 3"/>
+          <p:cNvPicPr>
+            <a:picLocks noChangeAspect="1"/>
+          </p:cNvPicPr>
+          <p:nvPr/>
+        </p:nvPicPr>
+        <p:blipFill rotWithShape="1">
+          <a:blip r:embed="rId2">
+            <a:extLst>
+              <a:ext uri="{28A0092B-C50C-407E-A947-70E740481C1C}">
+                <a14:useLocalDpi xmlns:a14="http://schemas.microsoft.com/office/drawing/2010/main" val="0"/>
+              </a:ext>
+            </a:extLst>
+          </a:blip>
+          <a:srcRect l="4523" t="17619" r="3095" b="25000"/>
+          <a:stretch/>
+        </p:blipFill>
+        <p:spPr>
+          <a:xfrm>
+            <a:off x="3711108" y="4592409"/>
+            <a:ext cx="1700816" cy="1056435"/>
+          </a:xfrm>
+          <a:prstGeom prst="rect">
+            <a:avLst/>
+          </a:prstGeom>
+        </p:spPr>
+      </p:pic>
     </p:spTree>
     <p:extLst>
       <p:ext uri="{BB962C8B-B14F-4D97-AF65-F5344CB8AC3E}">
@@ -5798,7 +5827,7 @@
           <a:effectLst/>
           <a:extLst>
             <a:ext uri="{91240B29-F687-4f45-9708-019B960494DF}">
-              <a14:hiddenLine xmlns="" xmlns:a14="http://schemas.microsoft.com/office/drawing/2010/main" w="9525">
+              <a14:hiddenLine xmlns:a14="http://schemas.microsoft.com/office/drawing/2010/main" xmlns="" w="9525">
                 <a:solidFill>
                   <a:schemeClr val="tx1"/>
                 </a:solidFill>
@@ -5808,7 +5837,7 @@
               </a14:hiddenLine>
             </a:ext>
             <a:ext uri="{AF507438-7753-43e0-B8FC-AC1667EBCBE1}">
-              <a14:hiddenEffects xmlns="" xmlns:a14="http://schemas.microsoft.com/office/drawing/2010/main">
+              <a14:hiddenEffects xmlns:a14="http://schemas.microsoft.com/office/drawing/2010/main" xmlns="">
                 <a:effectLst>
                   <a:outerShdw dist="35921" dir="2700000" algn="ctr" rotWithShape="0">
                     <a:schemeClr val="bg2"/>
@@ -5983,6 +6012,18 @@
               </a:rPr>
               <a:t>                         </a:t>
             </a:r>
+            <a:r>
+              <a:rPr kumimoji="0" lang="en-US" altLang="en-US" sz="1600" b="0" i="0" u="none" strike="noStrike" cap="none" normalizeH="0" baseline="0" dirty="0">
+                <a:ln>
+                  <a:noFill/>
+                </a:ln>
+                <a:solidFill>
+                  <a:schemeClr val="tx1"/>
+                </a:solidFill>
+                <a:effectLst/>
+              </a:rPr>
+              <a:t/>
+            </a:r>
             <a:br>
               <a:rPr kumimoji="0" lang="en-US" altLang="en-US" sz="1600" b="0" i="0" u="none" strike="noStrike" cap="none" normalizeH="0" baseline="0" dirty="0">
                 <a:ln>
@@ -6149,7 +6190,7 @@
           <a:noFill/>
           <a:extLst>
             <a:ext uri="{909E8E84-426E-40dd-AFC4-6F175D3DCCD1}">
-              <a14:hiddenFill xmlns="" xmlns:a14="http://schemas.microsoft.com/office/drawing/2010/main">
+              <a14:hiddenFill xmlns:a14="http://schemas.microsoft.com/office/drawing/2010/main" xmlns="">
                 <a:solidFill>
                   <a:srgbClr val="FFFFFF"/>
                 </a:solidFill>
@@ -6699,28 +6740,28 @@
                 <a:gridCol w="1468056">
                   <a:extLst>
                     <a:ext uri="{9D8B030D-6E8A-4147-A177-3AD203B41FA5}">
-                      <a16:colId xmlns:a16="http://schemas.microsoft.com/office/drawing/2014/main" val="20000"/>
+                      <a16:colId xmlns:a16="http://schemas.microsoft.com/office/drawing/2014/main" xmlns="" val="20000"/>
                     </a:ext>
                   </a:extLst>
                 </a:gridCol>
                 <a:gridCol w="1029112">
                   <a:extLst>
                     <a:ext uri="{9D8B030D-6E8A-4147-A177-3AD203B41FA5}">
-                      <a16:colId xmlns:a16="http://schemas.microsoft.com/office/drawing/2014/main" val="20001"/>
+                      <a16:colId xmlns:a16="http://schemas.microsoft.com/office/drawing/2014/main" xmlns="" val="20001"/>
                     </a:ext>
                   </a:extLst>
                 </a:gridCol>
                 <a:gridCol w="1817944">
                   <a:extLst>
                     <a:ext uri="{9D8B030D-6E8A-4147-A177-3AD203B41FA5}">
-                      <a16:colId xmlns:a16="http://schemas.microsoft.com/office/drawing/2014/main" val="20002"/>
+                      <a16:colId xmlns:a16="http://schemas.microsoft.com/office/drawing/2014/main" xmlns="" val="20002"/>
                     </a:ext>
                   </a:extLst>
                 </a:gridCol>
                 <a:gridCol w="2757489">
                   <a:extLst>
                     <a:ext uri="{9D8B030D-6E8A-4147-A177-3AD203B41FA5}">
-                      <a16:colId xmlns:a16="http://schemas.microsoft.com/office/drawing/2014/main" val="20003"/>
+                      <a16:colId xmlns:a16="http://schemas.microsoft.com/office/drawing/2014/main" xmlns="" val="20003"/>
                     </a:ext>
                   </a:extLst>
                 </a:gridCol>
@@ -6789,7 +6830,7 @@
                 </a:tc>
                 <a:extLst>
                   <a:ext uri="{0D108BD9-81ED-4DB2-BD59-A6C34878D82A}">
-                    <a16:rowId xmlns:a16="http://schemas.microsoft.com/office/drawing/2014/main" val="10000"/>
+                    <a16:rowId xmlns:a16="http://schemas.microsoft.com/office/drawing/2014/main" xmlns="" val="10000"/>
                   </a:ext>
                 </a:extLst>
               </a:tr>
@@ -6842,7 +6883,7 @@
                 </a:tc>
                 <a:extLst>
                   <a:ext uri="{0D108BD9-81ED-4DB2-BD59-A6C34878D82A}">
-                    <a16:rowId xmlns:a16="http://schemas.microsoft.com/office/drawing/2014/main" val="10001"/>
+                    <a16:rowId xmlns:a16="http://schemas.microsoft.com/office/drawing/2014/main" xmlns="" val="10001"/>
                   </a:ext>
                 </a:extLst>
               </a:tr>
@@ -6895,7 +6936,7 @@
                 </a:tc>
                 <a:extLst>
                   <a:ext uri="{0D108BD9-81ED-4DB2-BD59-A6C34878D82A}">
-                    <a16:rowId xmlns:a16="http://schemas.microsoft.com/office/drawing/2014/main" val="10002"/>
+                    <a16:rowId xmlns:a16="http://schemas.microsoft.com/office/drawing/2014/main" xmlns="" val="10002"/>
                   </a:ext>
                 </a:extLst>
               </a:tr>
@@ -6948,7 +6989,7 @@
                 </a:tc>
                 <a:extLst>
                   <a:ext uri="{0D108BD9-81ED-4DB2-BD59-A6C34878D82A}">
-                    <a16:rowId xmlns:a16="http://schemas.microsoft.com/office/drawing/2014/main" val="10003"/>
+                    <a16:rowId xmlns:a16="http://schemas.microsoft.com/office/drawing/2014/main" xmlns="" val="10003"/>
                   </a:ext>
                 </a:extLst>
               </a:tr>
@@ -7003,7 +7044,7 @@
                 </a:tc>
                 <a:extLst>
                   <a:ext uri="{0D108BD9-81ED-4DB2-BD59-A6C34878D82A}">
-                    <a16:rowId xmlns:a16="http://schemas.microsoft.com/office/drawing/2014/main" val="10004"/>
+                    <a16:rowId xmlns:a16="http://schemas.microsoft.com/office/drawing/2014/main" xmlns="" val="10004"/>
                   </a:ext>
                 </a:extLst>
               </a:tr>
@@ -7059,7 +7100,7 @@
                 </a:tc>
                 <a:extLst>
                   <a:ext uri="{0D108BD9-81ED-4DB2-BD59-A6C34878D82A}">
-                    <a16:rowId xmlns:a16="http://schemas.microsoft.com/office/drawing/2014/main" val="10005"/>
+                    <a16:rowId xmlns:a16="http://schemas.microsoft.com/office/drawing/2014/main" xmlns="" val="10005"/>
                   </a:ext>
                 </a:extLst>
               </a:tr>
@@ -7575,21 +7616,21 @@
                 <a:gridCol w="1730999">
                   <a:extLst>
                     <a:ext uri="{9D8B030D-6E8A-4147-A177-3AD203B41FA5}">
-                      <a16:colId xmlns:a16="http://schemas.microsoft.com/office/drawing/2014/main" val="20000"/>
+                      <a16:colId xmlns:a16="http://schemas.microsoft.com/office/drawing/2014/main" xmlns="" val="20000"/>
                     </a:ext>
                   </a:extLst>
                 </a:gridCol>
                 <a:gridCol w="1903226">
                   <a:extLst>
                     <a:ext uri="{9D8B030D-6E8A-4147-A177-3AD203B41FA5}">
-                      <a16:colId xmlns:a16="http://schemas.microsoft.com/office/drawing/2014/main" val="20001"/>
+                      <a16:colId xmlns:a16="http://schemas.microsoft.com/office/drawing/2014/main" xmlns="" val="20001"/>
                     </a:ext>
                   </a:extLst>
                 </a:gridCol>
                 <a:gridCol w="4813942">
                   <a:extLst>
                     <a:ext uri="{9D8B030D-6E8A-4147-A177-3AD203B41FA5}">
-                      <a16:colId xmlns:a16="http://schemas.microsoft.com/office/drawing/2014/main" val="20002"/>
+                      <a16:colId xmlns:a16="http://schemas.microsoft.com/office/drawing/2014/main" xmlns="" val="20002"/>
                     </a:ext>
                   </a:extLst>
                 </a:gridCol>
@@ -7639,7 +7680,7 @@
                 </a:tc>
                 <a:extLst>
                   <a:ext uri="{0D108BD9-81ED-4DB2-BD59-A6C34878D82A}">
-                    <a16:rowId xmlns:a16="http://schemas.microsoft.com/office/drawing/2014/main" val="10000"/>
+                    <a16:rowId xmlns:a16="http://schemas.microsoft.com/office/drawing/2014/main" xmlns="" val="10000"/>
                   </a:ext>
                 </a:extLst>
               </a:tr>
@@ -7685,7 +7726,7 @@
                 </a:tc>
                 <a:extLst>
                   <a:ext uri="{0D108BD9-81ED-4DB2-BD59-A6C34878D82A}">
-                    <a16:rowId xmlns:a16="http://schemas.microsoft.com/office/drawing/2014/main" val="10001"/>
+                    <a16:rowId xmlns:a16="http://schemas.microsoft.com/office/drawing/2014/main" xmlns="" val="10001"/>
                   </a:ext>
                 </a:extLst>
               </a:tr>
@@ -7736,7 +7777,7 @@
                 </a:tc>
                 <a:extLst>
                   <a:ext uri="{0D108BD9-81ED-4DB2-BD59-A6C34878D82A}">
-                    <a16:rowId xmlns:a16="http://schemas.microsoft.com/office/drawing/2014/main" val="10002"/>
+                    <a16:rowId xmlns:a16="http://schemas.microsoft.com/office/drawing/2014/main" xmlns="" val="10002"/>
                   </a:ext>
                 </a:extLst>
               </a:tr>
@@ -7782,7 +7823,7 @@
                 </a:tc>
                 <a:extLst>
                   <a:ext uri="{0D108BD9-81ED-4DB2-BD59-A6C34878D82A}">
-                    <a16:rowId xmlns:a16="http://schemas.microsoft.com/office/drawing/2014/main" val="10003"/>
+                    <a16:rowId xmlns:a16="http://schemas.microsoft.com/office/drawing/2014/main" xmlns="" val="10003"/>
                   </a:ext>
                 </a:extLst>
               </a:tr>
@@ -7828,7 +7869,7 @@
                 </a:tc>
                 <a:extLst>
                   <a:ext uri="{0D108BD9-81ED-4DB2-BD59-A6C34878D82A}">
-                    <a16:rowId xmlns:a16="http://schemas.microsoft.com/office/drawing/2014/main" val="10004"/>
+                    <a16:rowId xmlns:a16="http://schemas.microsoft.com/office/drawing/2014/main" xmlns="" val="10004"/>
                   </a:ext>
                 </a:extLst>
               </a:tr>
@@ -7879,7 +7920,7 @@
                 </a:tc>
                 <a:extLst>
                   <a:ext uri="{0D108BD9-81ED-4DB2-BD59-A6C34878D82A}">
-                    <a16:rowId xmlns:a16="http://schemas.microsoft.com/office/drawing/2014/main" val="10005"/>
+                    <a16:rowId xmlns:a16="http://schemas.microsoft.com/office/drawing/2014/main" xmlns="" val="10005"/>
                   </a:ext>
                 </a:extLst>
               </a:tr>
@@ -7925,7 +7966,7 @@
                 </a:tc>
                 <a:extLst>
                   <a:ext uri="{0D108BD9-81ED-4DB2-BD59-A6C34878D82A}">
-                    <a16:rowId xmlns:a16="http://schemas.microsoft.com/office/drawing/2014/main" val="10006"/>
+                    <a16:rowId xmlns:a16="http://schemas.microsoft.com/office/drawing/2014/main" xmlns="" val="10006"/>
                   </a:ext>
                 </a:extLst>
               </a:tr>
@@ -7986,7 +8027,7 @@
                 </a:tc>
                 <a:extLst>
                   <a:ext uri="{0D108BD9-81ED-4DB2-BD59-A6C34878D82A}">
-                    <a16:rowId xmlns:a16="http://schemas.microsoft.com/office/drawing/2014/main" val="10007"/>
+                    <a16:rowId xmlns:a16="http://schemas.microsoft.com/office/drawing/2014/main" xmlns="" val="10007"/>
                   </a:ext>
                 </a:extLst>
               </a:tr>
